--- a/final project tic , sara laribi.pptx
+++ b/final project tic , sara laribi.pptx
@@ -5,8 +5,18 @@
     <p:sldMasterId id="2147483648" r:id="rId1"/>
   </p:sldMasterIdLst>
   <p:notesMasterIdLst>
-    <p:notesMasterId r:id="rId2"/>
+    <p:notesMasterId r:id="rId10"/>
   </p:notesMasterIdLst>
+  <p:sldIdLst>
+    <p:sldId id="262" r:id="rId2"/>
+    <p:sldId id="264" r:id="rId3"/>
+    <p:sldId id="256" r:id="rId4"/>
+    <p:sldId id="257" r:id="rId5"/>
+    <p:sldId id="258" r:id="rId6"/>
+    <p:sldId id="259" r:id="rId7"/>
+    <p:sldId id="260" r:id="rId8"/>
+    <p:sldId id="261" r:id="rId9"/>
+  </p:sldIdLst>
   <p:sldSz cx="14630400" cy="8229600"/>
   <p:notesSz cx="8229600" cy="14630400"/>
   <p:defaultTextStyle>
@@ -234,6 +244,510 @@
 </p:notesMaster>
 </file>
 
+<file path=ppt/notesSlides/notesSlide1.xml><?xml version="1.0" encoding="utf-8"?>
+<p:notes xmlns:a="http://schemas.openxmlformats.org/drawingml/2006/main" xmlns:r="http://schemas.openxmlformats.org/officeDocument/2006/relationships" xmlns:p="http://schemas.openxmlformats.org/presentationml/2006/main">
+  <p:cSld>
+    <p:spTree>
+      <p:nvGrpSpPr>
+        <p:cNvPr id="1" name=""/>
+        <p:cNvGrpSpPr/>
+        <p:nvPr/>
+      </p:nvGrpSpPr>
+      <p:grpSpPr>
+        <a:xfrm>
+          <a:off x="0" y="0"/>
+          <a:ext cx="0" cy="0"/>
+          <a:chOff x="0" y="0"/>
+          <a:chExt cx="0" cy="0"/>
+        </a:xfrm>
+      </p:grpSpPr>
+      <p:sp>
+        <p:nvSpPr>
+          <p:cNvPr id="2" name="Slide Image Placeholder 1"/>
+          <p:cNvSpPr>
+            <a:spLocks noGrp="1" noRot="1" noChangeAspect="1"/>
+          </p:cNvSpPr>
+          <p:nvPr>
+            <p:ph type="sldImg"/>
+          </p:nvPr>
+        </p:nvSpPr>
+        <p:spPr/>
+      </p:sp>
+      <p:sp>
+        <p:nvSpPr>
+          <p:cNvPr id="3" name="Notes Placeholder 2"/>
+          <p:cNvSpPr>
+            <a:spLocks noGrp="1"/>
+          </p:cNvSpPr>
+          <p:nvPr>
+            <p:ph type="body" idx="1"/>
+          </p:nvPr>
+        </p:nvSpPr>
+        <p:spPr/>
+        <p:txBody>
+          <a:bodyPr/>
+          <a:lstStyle/>
+          <a:p>
+            <a:endParaRPr lang="en-US" dirty="0"/>
+          </a:p>
+        </p:txBody>
+      </p:sp>
+      <p:sp>
+        <p:nvSpPr>
+          <p:cNvPr id="4" name="Slide Number Placeholder 3"/>
+          <p:cNvSpPr>
+            <a:spLocks noGrp="1"/>
+          </p:cNvSpPr>
+          <p:nvPr>
+            <p:ph type="sldNum" sz="quarter" idx="10"/>
+          </p:nvPr>
+        </p:nvSpPr>
+        <p:spPr/>
+        <p:txBody>
+          <a:bodyPr/>
+          <a:lstStyle/>
+          <a:p>
+            <a:fld id="{F7021451-1387-4CA6-816F-3879F97B5CBC}" type="slidenum">
+              <a:rPr lang="en-US"/>
+              <a:t>3</a:t>
+            </a:fld>
+            <a:endParaRPr lang="en-US"/>
+          </a:p>
+        </p:txBody>
+      </p:sp>
+    </p:spTree>
+    <p:extLst>
+      <p:ext uri="{BB962C8B-B14F-4D97-AF65-F5344CB8AC3E}">
+        <p14:creationId xmlns:p14="http://schemas.microsoft.com/office/powerpoint/2010/main" val="1024086991"/>
+      </p:ext>
+    </p:extLst>
+  </p:cSld>
+  <p:clrMapOvr>
+    <a:masterClrMapping/>
+  </p:clrMapOvr>
+</p:notes>
+</file>
+
+<file path=ppt/notesSlides/notesSlide2.xml><?xml version="1.0" encoding="utf-8"?>
+<p:notes xmlns:a="http://schemas.openxmlformats.org/drawingml/2006/main" xmlns:r="http://schemas.openxmlformats.org/officeDocument/2006/relationships" xmlns:p="http://schemas.openxmlformats.org/presentationml/2006/main">
+  <p:cSld>
+    <p:spTree>
+      <p:nvGrpSpPr>
+        <p:cNvPr id="1" name=""/>
+        <p:cNvGrpSpPr/>
+        <p:nvPr/>
+      </p:nvGrpSpPr>
+      <p:grpSpPr>
+        <a:xfrm>
+          <a:off x="0" y="0"/>
+          <a:ext cx="0" cy="0"/>
+          <a:chOff x="0" y="0"/>
+          <a:chExt cx="0" cy="0"/>
+        </a:xfrm>
+      </p:grpSpPr>
+      <p:sp>
+        <p:nvSpPr>
+          <p:cNvPr id="2" name="Slide Image Placeholder 1"/>
+          <p:cNvSpPr>
+            <a:spLocks noGrp="1" noRot="1" noChangeAspect="1"/>
+          </p:cNvSpPr>
+          <p:nvPr>
+            <p:ph type="sldImg"/>
+          </p:nvPr>
+        </p:nvSpPr>
+        <p:spPr/>
+      </p:sp>
+      <p:sp>
+        <p:nvSpPr>
+          <p:cNvPr id="3" name="Notes Placeholder 2"/>
+          <p:cNvSpPr>
+            <a:spLocks noGrp="1"/>
+          </p:cNvSpPr>
+          <p:nvPr>
+            <p:ph type="body" idx="1"/>
+          </p:nvPr>
+        </p:nvSpPr>
+        <p:spPr/>
+        <p:txBody>
+          <a:bodyPr/>
+          <a:lstStyle/>
+          <a:p>
+            <a:endParaRPr lang="en-US" dirty="0"/>
+          </a:p>
+        </p:txBody>
+      </p:sp>
+      <p:sp>
+        <p:nvSpPr>
+          <p:cNvPr id="4" name="Slide Number Placeholder 3"/>
+          <p:cNvSpPr>
+            <a:spLocks noGrp="1"/>
+          </p:cNvSpPr>
+          <p:nvPr>
+            <p:ph type="sldNum" sz="quarter" idx="10"/>
+          </p:nvPr>
+        </p:nvSpPr>
+        <p:spPr/>
+        <p:txBody>
+          <a:bodyPr/>
+          <a:lstStyle/>
+          <a:p>
+            <a:fld id="{F7021451-1387-4CA6-816F-3879F97B5CBC}" type="slidenum">
+              <a:rPr lang="en-US"/>
+              <a:t>4</a:t>
+            </a:fld>
+            <a:endParaRPr lang="en-US"/>
+          </a:p>
+        </p:txBody>
+      </p:sp>
+    </p:spTree>
+    <p:extLst>
+      <p:ext uri="{BB962C8B-B14F-4D97-AF65-F5344CB8AC3E}">
+        <p14:creationId xmlns:p14="http://schemas.microsoft.com/office/powerpoint/2010/main" val="1024086991"/>
+      </p:ext>
+    </p:extLst>
+  </p:cSld>
+  <p:clrMapOvr>
+    <a:masterClrMapping/>
+  </p:clrMapOvr>
+</p:notes>
+</file>
+
+<file path=ppt/notesSlides/notesSlide3.xml><?xml version="1.0" encoding="utf-8"?>
+<p:notes xmlns:a="http://schemas.openxmlformats.org/drawingml/2006/main" xmlns:r="http://schemas.openxmlformats.org/officeDocument/2006/relationships" xmlns:p="http://schemas.openxmlformats.org/presentationml/2006/main">
+  <p:cSld>
+    <p:spTree>
+      <p:nvGrpSpPr>
+        <p:cNvPr id="1" name=""/>
+        <p:cNvGrpSpPr/>
+        <p:nvPr/>
+      </p:nvGrpSpPr>
+      <p:grpSpPr>
+        <a:xfrm>
+          <a:off x="0" y="0"/>
+          <a:ext cx="0" cy="0"/>
+          <a:chOff x="0" y="0"/>
+          <a:chExt cx="0" cy="0"/>
+        </a:xfrm>
+      </p:grpSpPr>
+      <p:sp>
+        <p:nvSpPr>
+          <p:cNvPr id="2" name="Slide Image Placeholder 1"/>
+          <p:cNvSpPr>
+            <a:spLocks noGrp="1" noRot="1" noChangeAspect="1"/>
+          </p:cNvSpPr>
+          <p:nvPr>
+            <p:ph type="sldImg"/>
+          </p:nvPr>
+        </p:nvSpPr>
+        <p:spPr/>
+      </p:sp>
+      <p:sp>
+        <p:nvSpPr>
+          <p:cNvPr id="3" name="Notes Placeholder 2"/>
+          <p:cNvSpPr>
+            <a:spLocks noGrp="1"/>
+          </p:cNvSpPr>
+          <p:nvPr>
+            <p:ph type="body" idx="1"/>
+          </p:nvPr>
+        </p:nvSpPr>
+        <p:spPr/>
+        <p:txBody>
+          <a:bodyPr/>
+          <a:lstStyle/>
+          <a:p>
+            <a:endParaRPr lang="en-US" dirty="0"/>
+          </a:p>
+        </p:txBody>
+      </p:sp>
+      <p:sp>
+        <p:nvSpPr>
+          <p:cNvPr id="4" name="Slide Number Placeholder 3"/>
+          <p:cNvSpPr>
+            <a:spLocks noGrp="1"/>
+          </p:cNvSpPr>
+          <p:nvPr>
+            <p:ph type="sldNum" sz="quarter" idx="10"/>
+          </p:nvPr>
+        </p:nvSpPr>
+        <p:spPr/>
+        <p:txBody>
+          <a:bodyPr/>
+          <a:lstStyle/>
+          <a:p>
+            <a:fld id="{F7021451-1387-4CA6-816F-3879F97B5CBC}" type="slidenum">
+              <a:rPr lang="en-US"/>
+              <a:t>5</a:t>
+            </a:fld>
+            <a:endParaRPr lang="en-US"/>
+          </a:p>
+        </p:txBody>
+      </p:sp>
+    </p:spTree>
+    <p:extLst>
+      <p:ext uri="{BB962C8B-B14F-4D97-AF65-F5344CB8AC3E}">
+        <p14:creationId xmlns:p14="http://schemas.microsoft.com/office/powerpoint/2010/main" val="1024086991"/>
+      </p:ext>
+    </p:extLst>
+  </p:cSld>
+  <p:clrMapOvr>
+    <a:masterClrMapping/>
+  </p:clrMapOvr>
+</p:notes>
+</file>
+
+<file path=ppt/notesSlides/notesSlide4.xml><?xml version="1.0" encoding="utf-8"?>
+<p:notes xmlns:a="http://schemas.openxmlformats.org/drawingml/2006/main" xmlns:r="http://schemas.openxmlformats.org/officeDocument/2006/relationships" xmlns:p="http://schemas.openxmlformats.org/presentationml/2006/main">
+  <p:cSld>
+    <p:spTree>
+      <p:nvGrpSpPr>
+        <p:cNvPr id="1" name=""/>
+        <p:cNvGrpSpPr/>
+        <p:nvPr/>
+      </p:nvGrpSpPr>
+      <p:grpSpPr>
+        <a:xfrm>
+          <a:off x="0" y="0"/>
+          <a:ext cx="0" cy="0"/>
+          <a:chOff x="0" y="0"/>
+          <a:chExt cx="0" cy="0"/>
+        </a:xfrm>
+      </p:grpSpPr>
+      <p:sp>
+        <p:nvSpPr>
+          <p:cNvPr id="2" name="Slide Image Placeholder 1"/>
+          <p:cNvSpPr>
+            <a:spLocks noGrp="1" noRot="1" noChangeAspect="1"/>
+          </p:cNvSpPr>
+          <p:nvPr>
+            <p:ph type="sldImg"/>
+          </p:nvPr>
+        </p:nvSpPr>
+        <p:spPr/>
+      </p:sp>
+      <p:sp>
+        <p:nvSpPr>
+          <p:cNvPr id="3" name="Notes Placeholder 2"/>
+          <p:cNvSpPr>
+            <a:spLocks noGrp="1"/>
+          </p:cNvSpPr>
+          <p:nvPr>
+            <p:ph type="body" idx="1"/>
+          </p:nvPr>
+        </p:nvSpPr>
+        <p:spPr/>
+        <p:txBody>
+          <a:bodyPr/>
+          <a:lstStyle/>
+          <a:p>
+            <a:endParaRPr lang="en-US" dirty="0"/>
+          </a:p>
+        </p:txBody>
+      </p:sp>
+      <p:sp>
+        <p:nvSpPr>
+          <p:cNvPr id="4" name="Slide Number Placeholder 3"/>
+          <p:cNvSpPr>
+            <a:spLocks noGrp="1"/>
+          </p:cNvSpPr>
+          <p:nvPr>
+            <p:ph type="sldNum" sz="quarter" idx="10"/>
+          </p:nvPr>
+        </p:nvSpPr>
+        <p:spPr/>
+        <p:txBody>
+          <a:bodyPr/>
+          <a:lstStyle/>
+          <a:p>
+            <a:fld id="{F7021451-1387-4CA6-816F-3879F97B5CBC}" type="slidenum">
+              <a:rPr lang="en-US"/>
+              <a:t>6</a:t>
+            </a:fld>
+            <a:endParaRPr lang="en-US"/>
+          </a:p>
+        </p:txBody>
+      </p:sp>
+    </p:spTree>
+    <p:extLst>
+      <p:ext uri="{BB962C8B-B14F-4D97-AF65-F5344CB8AC3E}">
+        <p14:creationId xmlns:p14="http://schemas.microsoft.com/office/powerpoint/2010/main" val="1024086991"/>
+      </p:ext>
+    </p:extLst>
+  </p:cSld>
+  <p:clrMapOvr>
+    <a:masterClrMapping/>
+  </p:clrMapOvr>
+</p:notes>
+</file>
+
+<file path=ppt/notesSlides/notesSlide5.xml><?xml version="1.0" encoding="utf-8"?>
+<p:notes xmlns:a="http://schemas.openxmlformats.org/drawingml/2006/main" xmlns:r="http://schemas.openxmlformats.org/officeDocument/2006/relationships" xmlns:p="http://schemas.openxmlformats.org/presentationml/2006/main">
+  <p:cSld>
+    <p:spTree>
+      <p:nvGrpSpPr>
+        <p:cNvPr id="1" name=""/>
+        <p:cNvGrpSpPr/>
+        <p:nvPr/>
+      </p:nvGrpSpPr>
+      <p:grpSpPr>
+        <a:xfrm>
+          <a:off x="0" y="0"/>
+          <a:ext cx="0" cy="0"/>
+          <a:chOff x="0" y="0"/>
+          <a:chExt cx="0" cy="0"/>
+        </a:xfrm>
+      </p:grpSpPr>
+      <p:sp>
+        <p:nvSpPr>
+          <p:cNvPr id="2" name="Slide Image Placeholder 1"/>
+          <p:cNvSpPr>
+            <a:spLocks noGrp="1" noRot="1" noChangeAspect="1"/>
+          </p:cNvSpPr>
+          <p:nvPr>
+            <p:ph type="sldImg"/>
+          </p:nvPr>
+        </p:nvSpPr>
+        <p:spPr/>
+      </p:sp>
+      <p:sp>
+        <p:nvSpPr>
+          <p:cNvPr id="3" name="Notes Placeholder 2"/>
+          <p:cNvSpPr>
+            <a:spLocks noGrp="1"/>
+          </p:cNvSpPr>
+          <p:nvPr>
+            <p:ph type="body" idx="1"/>
+          </p:nvPr>
+        </p:nvSpPr>
+        <p:spPr/>
+        <p:txBody>
+          <a:bodyPr/>
+          <a:lstStyle/>
+          <a:p>
+            <a:endParaRPr lang="en-US" dirty="0"/>
+          </a:p>
+        </p:txBody>
+      </p:sp>
+      <p:sp>
+        <p:nvSpPr>
+          <p:cNvPr id="4" name="Slide Number Placeholder 3"/>
+          <p:cNvSpPr>
+            <a:spLocks noGrp="1"/>
+          </p:cNvSpPr>
+          <p:nvPr>
+            <p:ph type="sldNum" sz="quarter" idx="10"/>
+          </p:nvPr>
+        </p:nvSpPr>
+        <p:spPr/>
+        <p:txBody>
+          <a:bodyPr/>
+          <a:lstStyle/>
+          <a:p>
+            <a:fld id="{F7021451-1387-4CA6-816F-3879F97B5CBC}" type="slidenum">
+              <a:rPr lang="en-US"/>
+              <a:t>7</a:t>
+            </a:fld>
+            <a:endParaRPr lang="en-US"/>
+          </a:p>
+        </p:txBody>
+      </p:sp>
+    </p:spTree>
+    <p:extLst>
+      <p:ext uri="{BB962C8B-B14F-4D97-AF65-F5344CB8AC3E}">
+        <p14:creationId xmlns:p14="http://schemas.microsoft.com/office/powerpoint/2010/main" val="1024086991"/>
+      </p:ext>
+    </p:extLst>
+  </p:cSld>
+  <p:clrMapOvr>
+    <a:masterClrMapping/>
+  </p:clrMapOvr>
+</p:notes>
+</file>
+
+<file path=ppt/notesSlides/notesSlide6.xml><?xml version="1.0" encoding="utf-8"?>
+<p:notes xmlns:a="http://schemas.openxmlformats.org/drawingml/2006/main" xmlns:r="http://schemas.openxmlformats.org/officeDocument/2006/relationships" xmlns:p="http://schemas.openxmlformats.org/presentationml/2006/main">
+  <p:cSld>
+    <p:spTree>
+      <p:nvGrpSpPr>
+        <p:cNvPr id="1" name=""/>
+        <p:cNvGrpSpPr/>
+        <p:nvPr/>
+      </p:nvGrpSpPr>
+      <p:grpSpPr>
+        <a:xfrm>
+          <a:off x="0" y="0"/>
+          <a:ext cx="0" cy="0"/>
+          <a:chOff x="0" y="0"/>
+          <a:chExt cx="0" cy="0"/>
+        </a:xfrm>
+      </p:grpSpPr>
+      <p:sp>
+        <p:nvSpPr>
+          <p:cNvPr id="2" name="Slide Image Placeholder 1"/>
+          <p:cNvSpPr>
+            <a:spLocks noGrp="1" noRot="1" noChangeAspect="1"/>
+          </p:cNvSpPr>
+          <p:nvPr>
+            <p:ph type="sldImg"/>
+          </p:nvPr>
+        </p:nvSpPr>
+        <p:spPr/>
+      </p:sp>
+      <p:sp>
+        <p:nvSpPr>
+          <p:cNvPr id="3" name="Notes Placeholder 2"/>
+          <p:cNvSpPr>
+            <a:spLocks noGrp="1"/>
+          </p:cNvSpPr>
+          <p:nvPr>
+            <p:ph type="body" idx="1"/>
+          </p:nvPr>
+        </p:nvSpPr>
+        <p:spPr/>
+        <p:txBody>
+          <a:bodyPr/>
+          <a:lstStyle/>
+          <a:p>
+            <a:endParaRPr lang="en-US" dirty="0"/>
+          </a:p>
+        </p:txBody>
+      </p:sp>
+      <p:sp>
+        <p:nvSpPr>
+          <p:cNvPr id="4" name="Slide Number Placeholder 3"/>
+          <p:cNvSpPr>
+            <a:spLocks noGrp="1"/>
+          </p:cNvSpPr>
+          <p:nvPr>
+            <p:ph type="sldNum" sz="quarter" idx="10"/>
+          </p:nvPr>
+        </p:nvSpPr>
+        <p:spPr/>
+        <p:txBody>
+          <a:bodyPr/>
+          <a:lstStyle/>
+          <a:p>
+            <a:fld id="{F7021451-1387-4CA6-816F-3879F97B5CBC}" type="slidenum">
+              <a:rPr lang="en-US"/>
+              <a:t>8</a:t>
+            </a:fld>
+            <a:endParaRPr lang="en-US"/>
+          </a:p>
+        </p:txBody>
+      </p:sp>
+    </p:spTree>
+    <p:extLst>
+      <p:ext uri="{BB962C8B-B14F-4D97-AF65-F5344CB8AC3E}">
+        <p14:creationId xmlns:p14="http://schemas.microsoft.com/office/powerpoint/2010/main" val="1024086991"/>
+      </p:ext>
+    </p:extLst>
+  </p:cSld>
+  <p:clrMapOvr>
+    <a:masterClrMapping/>
+  </p:clrMapOvr>
+</p:notes>
+</file>
+
 <file path=ppt/slideLayouts/slideLayout1.xml><?xml version="1.0" encoding="utf-8"?>
 <p:sldLayout xmlns:a="http://schemas.openxmlformats.org/drawingml/2006/main" xmlns:r="http://schemas.openxmlformats.org/officeDocument/2006/relationships" xmlns:p="http://schemas.openxmlformats.org/presentationml/2006/main" preserve="1">
   <p:cSld name="DEFAULT">
@@ -544,6 +1058,3035 @@
     </p:otherStyle>
   </p:txStyles>
 </p:sldMaster>
+</file>
+
+<file path=ppt/slides/slide1.xml><?xml version="1.0" encoding="utf-8"?>
+<p:sld xmlns:a="http://schemas.openxmlformats.org/drawingml/2006/main" xmlns:r="http://schemas.openxmlformats.org/officeDocument/2006/relationships" xmlns:p="http://schemas.openxmlformats.org/presentationml/2006/main">
+  <p:cSld>
+    <p:spTree>
+      <p:nvGrpSpPr>
+        <p:cNvPr id="1" name=""/>
+        <p:cNvGrpSpPr/>
+        <p:nvPr/>
+      </p:nvGrpSpPr>
+      <p:grpSpPr>
+        <a:xfrm>
+          <a:off x="0" y="0"/>
+          <a:ext cx="0" cy="0"/>
+          <a:chOff x="0" y="0"/>
+          <a:chExt cx="0" cy="0"/>
+        </a:xfrm>
+      </p:grpSpPr>
+      <p:pic>
+        <p:nvPicPr>
+          <p:cNvPr id="2" name="Image 1">
+            <a:extLst>
+              <a:ext uri="{FF2B5EF4-FFF2-40B4-BE49-F238E27FC236}">
+                <a16:creationId xmlns:a16="http://schemas.microsoft.com/office/drawing/2014/main" id="{76004451-AA46-4892-9F1F-965B2B44340B}"/>
+              </a:ext>
+            </a:extLst>
+          </p:cNvPr>
+          <p:cNvPicPr>
+            <a:picLocks noChangeAspect="1"/>
+          </p:cNvPicPr>
+          <p:nvPr/>
+        </p:nvPicPr>
+        <p:blipFill>
+          <a:blip r:embed="rId2"/>
+          <a:stretch>
+            <a:fillRect/>
+          </a:stretch>
+        </p:blipFill>
+        <p:spPr>
+          <a:xfrm>
+            <a:off x="0" y="0"/>
+            <a:ext cx="14630400" cy="8229600"/>
+          </a:xfrm>
+          <a:prstGeom prst="rect">
+            <a:avLst/>
+          </a:prstGeom>
+        </p:spPr>
+      </p:pic>
+      <p:sp>
+        <p:nvSpPr>
+          <p:cNvPr id="3" name="ZoneTexte 2">
+            <a:extLst>
+              <a:ext uri="{FF2B5EF4-FFF2-40B4-BE49-F238E27FC236}">
+                <a16:creationId xmlns:a16="http://schemas.microsoft.com/office/drawing/2014/main" id="{4AD15CCA-CB45-44BC-89CB-3A2C3ECE12CE}"/>
+              </a:ext>
+            </a:extLst>
+          </p:cNvPr>
+          <p:cNvSpPr txBox="1"/>
+          <p:nvPr/>
+        </p:nvSpPr>
+        <p:spPr>
+          <a:xfrm>
+            <a:off x="2794958" y="983411"/>
+            <a:ext cx="9040483" cy="2585323"/>
+          </a:xfrm>
+          <a:prstGeom prst="rect">
+            <a:avLst/>
+          </a:prstGeom>
+          <a:noFill/>
+        </p:spPr>
+        <p:txBody>
+          <a:bodyPr wrap="square" rtlCol="0">
+            <a:spAutoFit/>
+          </a:bodyPr>
+          <a:lstStyle/>
+          <a:p>
+            <a:pPr algn="ctr"/>
+            <a:r>
+              <a:rPr lang="en-US" sz="3200" dirty="0">
+                <a:solidFill>
+                  <a:schemeClr val="bg1"/>
+                </a:solidFill>
+              </a:rPr>
+              <a:t> </a:t>
+            </a:r>
+            <a:r>
+              <a:rPr lang="en-US" sz="5400" dirty="0">
+                <a:solidFill>
+                  <a:schemeClr val="bg1"/>
+                </a:solidFill>
+                <a:latin typeface="Cooper Black" panose="0208090404030B020404" pitchFamily="18" charset="0"/>
+              </a:rPr>
+              <a:t>presentation of </a:t>
+            </a:r>
+            <a:r>
+              <a:rPr lang="en-US" sz="5400" dirty="0" err="1">
+                <a:solidFill>
+                  <a:schemeClr val="bg1"/>
+                </a:solidFill>
+                <a:latin typeface="Cooper Black" panose="0208090404030B020404" pitchFamily="18" charset="0"/>
+              </a:rPr>
+              <a:t>technolog</a:t>
+            </a:r>
+            <a:r>
+              <a:rPr lang="en-US" sz="5400" dirty="0">
+                <a:solidFill>
+                  <a:schemeClr val="bg1"/>
+                </a:solidFill>
+                <a:latin typeface="Cooper Black" panose="0208090404030B020404" pitchFamily="18" charset="0"/>
+              </a:rPr>
+              <a:t> information, and communication  </a:t>
+            </a:r>
+            <a:endParaRPr lang="fr-FR" sz="5400" dirty="0">
+              <a:solidFill>
+                <a:schemeClr val="bg1"/>
+              </a:solidFill>
+              <a:latin typeface="Cooper Black" panose="0208090404030B020404" pitchFamily="18" charset="0"/>
+            </a:endParaRPr>
+          </a:p>
+        </p:txBody>
+      </p:sp>
+      <p:sp>
+        <p:nvSpPr>
+          <p:cNvPr id="4" name="ZoneTexte 3">
+            <a:extLst>
+              <a:ext uri="{FF2B5EF4-FFF2-40B4-BE49-F238E27FC236}">
+                <a16:creationId xmlns:a16="http://schemas.microsoft.com/office/drawing/2014/main" id="{28CBEE53-4D47-40A0-93F1-D684F8CA5245}"/>
+              </a:ext>
+            </a:extLst>
+          </p:cNvPr>
+          <p:cNvSpPr txBox="1"/>
+          <p:nvPr/>
+        </p:nvSpPr>
+        <p:spPr>
+          <a:xfrm>
+            <a:off x="3709357" y="4586651"/>
+            <a:ext cx="7211683" cy="1938992"/>
+          </a:xfrm>
+          <a:prstGeom prst="rect">
+            <a:avLst/>
+          </a:prstGeom>
+          <a:noFill/>
+        </p:spPr>
+        <p:txBody>
+          <a:bodyPr wrap="square" rtlCol="0">
+            <a:spAutoFit/>
+          </a:bodyPr>
+          <a:lstStyle/>
+          <a:p>
+            <a:pPr algn="ctr"/>
+            <a:r>
+              <a:rPr lang="en-US" sz="4000" dirty="0">
+                <a:solidFill>
+                  <a:schemeClr val="bg1"/>
+                </a:solidFill>
+                <a:latin typeface="Cooper Black" panose="0208090404030B020404" pitchFamily="18" charset="0"/>
+              </a:rPr>
+              <a:t>By sara laribi </a:t>
+            </a:r>
+          </a:p>
+          <a:p>
+            <a:pPr algn="ctr"/>
+            <a:r>
+              <a:rPr lang="en-US" sz="4000" dirty="0">
+                <a:solidFill>
+                  <a:schemeClr val="bg1"/>
+                </a:solidFill>
+                <a:latin typeface="Cooper Black" panose="0208090404030B020404" pitchFamily="18" charset="0"/>
+              </a:rPr>
+              <a:t>Group </a:t>
+            </a:r>
+            <a:r>
+              <a:rPr lang="en-US" sz="4000" b="1" dirty="0">
+                <a:solidFill>
+                  <a:schemeClr val="bg1"/>
+                </a:solidFill>
+                <a:latin typeface="Century Schoolbook" panose="02040604050505020304" pitchFamily="18" charset="0"/>
+              </a:rPr>
+              <a:t>87</a:t>
+            </a:r>
+            <a:r>
+              <a:rPr lang="en-US" sz="4000" dirty="0">
+                <a:solidFill>
+                  <a:schemeClr val="bg1"/>
+                </a:solidFill>
+                <a:latin typeface="Cooper Black" panose="0208090404030B020404" pitchFamily="18" charset="0"/>
+              </a:rPr>
+              <a:t> </a:t>
+            </a:r>
+          </a:p>
+          <a:p>
+            <a:pPr algn="ctr"/>
+            <a:r>
+              <a:rPr lang="en-US" sz="4000" dirty="0">
+                <a:solidFill>
+                  <a:schemeClr val="bg1"/>
+                </a:solidFill>
+                <a:latin typeface="Cooper Black" panose="0208090404030B020404" pitchFamily="18" charset="0"/>
+              </a:rPr>
+              <a:t>Id </a:t>
+            </a:r>
+            <a:r>
+              <a:rPr lang="en-US" sz="4000" dirty="0">
+                <a:solidFill>
+                  <a:schemeClr val="bg1"/>
+                </a:solidFill>
+                <a:latin typeface="Comic Sans MS" panose="030F0702030302020204" pitchFamily="66" charset="0"/>
+              </a:rPr>
+              <a:t>31387920</a:t>
+            </a:r>
+            <a:endParaRPr lang="fr-FR" sz="4000" dirty="0">
+              <a:solidFill>
+                <a:schemeClr val="bg1"/>
+              </a:solidFill>
+              <a:latin typeface="Comic Sans MS" panose="030F0702030302020204" pitchFamily="66" charset="0"/>
+            </a:endParaRPr>
+          </a:p>
+        </p:txBody>
+      </p:sp>
+    </p:spTree>
+    <p:extLst>
+      <p:ext uri="{BB962C8B-B14F-4D97-AF65-F5344CB8AC3E}">
+        <p14:creationId xmlns:p14="http://schemas.microsoft.com/office/powerpoint/2010/main" val="4000592082"/>
+      </p:ext>
+    </p:extLst>
+  </p:cSld>
+  <p:clrMapOvr>
+    <a:masterClrMapping/>
+  </p:clrMapOvr>
+</p:sld>
+</file>
+
+<file path=ppt/slides/slide2.xml><?xml version="1.0" encoding="utf-8"?>
+<p:sld xmlns:a="http://schemas.openxmlformats.org/drawingml/2006/main" xmlns:r="http://schemas.openxmlformats.org/officeDocument/2006/relationships" xmlns:p="http://schemas.openxmlformats.org/presentationml/2006/main">
+  <p:cSld>
+    <p:spTree>
+      <p:nvGrpSpPr>
+        <p:cNvPr id="1" name=""/>
+        <p:cNvGrpSpPr/>
+        <p:nvPr/>
+      </p:nvGrpSpPr>
+      <p:grpSpPr>
+        <a:xfrm>
+          <a:off x="0" y="0"/>
+          <a:ext cx="0" cy="0"/>
+          <a:chOff x="0" y="0"/>
+          <a:chExt cx="0" cy="0"/>
+        </a:xfrm>
+      </p:grpSpPr>
+      <p:pic>
+        <p:nvPicPr>
+          <p:cNvPr id="2" name="Image 1">
+            <a:extLst>
+              <a:ext uri="{FF2B5EF4-FFF2-40B4-BE49-F238E27FC236}">
+                <a16:creationId xmlns:a16="http://schemas.microsoft.com/office/drawing/2014/main" id="{5B3BC83F-CB1E-48E0-A6B6-4FBAD73516F7}"/>
+              </a:ext>
+            </a:extLst>
+          </p:cNvPr>
+          <p:cNvPicPr>
+            <a:picLocks noChangeAspect="1"/>
+          </p:cNvPicPr>
+          <p:nvPr/>
+        </p:nvPicPr>
+        <p:blipFill>
+          <a:blip r:embed="rId2"/>
+          <a:stretch>
+            <a:fillRect/>
+          </a:stretch>
+        </p:blipFill>
+        <p:spPr>
+          <a:xfrm>
+            <a:off x="0" y="0"/>
+            <a:ext cx="14630400" cy="8229600"/>
+          </a:xfrm>
+          <a:prstGeom prst="rect">
+            <a:avLst/>
+          </a:prstGeom>
+        </p:spPr>
+      </p:pic>
+      <p:sp>
+        <p:nvSpPr>
+          <p:cNvPr id="4" name="ZoneTexte 3">
+            <a:extLst>
+              <a:ext uri="{FF2B5EF4-FFF2-40B4-BE49-F238E27FC236}">
+                <a16:creationId xmlns:a16="http://schemas.microsoft.com/office/drawing/2014/main" id="{429EF51E-B000-4E66-8BAE-6E4FF02199A3}"/>
+              </a:ext>
+            </a:extLst>
+          </p:cNvPr>
+          <p:cNvSpPr txBox="1"/>
+          <p:nvPr/>
+        </p:nvSpPr>
+        <p:spPr>
+          <a:xfrm>
+            <a:off x="3286664" y="1072016"/>
+            <a:ext cx="7815532" cy="6340197"/>
+          </a:xfrm>
+          <a:prstGeom prst="rect">
+            <a:avLst/>
+          </a:prstGeom>
+          <a:noFill/>
+        </p:spPr>
+        <p:txBody>
+          <a:bodyPr wrap="square" rtlCol="0">
+            <a:spAutoFit/>
+          </a:bodyPr>
+          <a:lstStyle/>
+          <a:p>
+            <a:r>
+              <a:rPr lang="en-US" sz="5400" b="1" dirty="0">
+                <a:solidFill>
+                  <a:schemeClr val="bg1"/>
+                </a:solidFill>
+                <a:latin typeface="Syne"/>
+              </a:rPr>
+              <a:t>Table of contents </a:t>
+            </a:r>
+          </a:p>
+          <a:p>
+            <a:endParaRPr lang="en-US" sz="3200" dirty="0">
+              <a:solidFill>
+                <a:schemeClr val="bg1"/>
+              </a:solidFill>
+              <a:latin typeface="Arial Rounded MT Bold" panose="020F0704030504030204" pitchFamily="34" charset="0"/>
+            </a:endParaRPr>
+          </a:p>
+          <a:p>
+            <a:r>
+              <a:rPr lang="en-US" sz="3200" dirty="0">
+                <a:solidFill>
+                  <a:schemeClr val="bg1"/>
+                </a:solidFill>
+                <a:latin typeface="Arial Rounded MT Bold" panose="020F0704030504030204" pitchFamily="34" charset="0"/>
+              </a:rPr>
+              <a:t>• TIC and related technology : revolutionizing the modern world </a:t>
+            </a:r>
+          </a:p>
+          <a:p>
+            <a:r>
+              <a:rPr lang="en-US" sz="3200" dirty="0">
+                <a:solidFill>
+                  <a:schemeClr val="bg1"/>
+                </a:solidFill>
+                <a:latin typeface="Arial Rounded MT Bold" panose="020F0704030504030204" pitchFamily="34" charset="0"/>
+              </a:rPr>
+              <a:t>• The definition and importance of TIC </a:t>
+            </a:r>
+          </a:p>
+          <a:p>
+            <a:r>
+              <a:rPr lang="en-US" sz="3200" dirty="0">
+                <a:solidFill>
+                  <a:schemeClr val="bg1"/>
+                </a:solidFill>
+                <a:latin typeface="Arial Rounded MT Bold" panose="020F0704030504030204" pitchFamily="34" charset="0"/>
+              </a:rPr>
+              <a:t>• google services: overview and benefit </a:t>
+            </a:r>
+          </a:p>
+          <a:p>
+            <a:r>
+              <a:rPr lang="en-US" sz="3200" dirty="0">
+                <a:solidFill>
+                  <a:schemeClr val="bg1"/>
+                </a:solidFill>
+                <a:latin typeface="Arial Rounded MT Bold" panose="020F0704030504030204" pitchFamily="34" charset="0"/>
+              </a:rPr>
+              <a:t>• </a:t>
+            </a:r>
+            <a:r>
+              <a:rPr lang="en-US" sz="3200" dirty="0" err="1">
+                <a:solidFill>
+                  <a:schemeClr val="bg1"/>
+                </a:solidFill>
+                <a:latin typeface="Arial Rounded MT Bold" panose="020F0704030504030204" pitchFamily="34" charset="0"/>
+              </a:rPr>
+              <a:t>microsoft</a:t>
+            </a:r>
+            <a:r>
+              <a:rPr lang="en-US" sz="3200" dirty="0">
+                <a:solidFill>
+                  <a:schemeClr val="bg1"/>
+                </a:solidFill>
+                <a:latin typeface="Arial Rounded MT Bold" panose="020F0704030504030204" pitchFamily="34" charset="0"/>
+              </a:rPr>
+              <a:t> tools: overview and benefits </a:t>
+            </a:r>
+          </a:p>
+          <a:p>
+            <a:r>
+              <a:rPr lang="en-US" sz="3200" dirty="0">
+                <a:solidFill>
+                  <a:schemeClr val="bg1"/>
+                </a:solidFill>
+                <a:latin typeface="Arial Rounded MT Bold" panose="020F0704030504030204" pitchFamily="34" charset="0"/>
+              </a:rPr>
+              <a:t>• git and </a:t>
+            </a:r>
+            <a:r>
+              <a:rPr lang="en-US" sz="3200" dirty="0" err="1">
+                <a:solidFill>
+                  <a:schemeClr val="bg1"/>
+                </a:solidFill>
+                <a:latin typeface="Arial Rounded MT Bold" panose="020F0704030504030204" pitchFamily="34" charset="0"/>
+              </a:rPr>
+              <a:t>gitHub</a:t>
+            </a:r>
+            <a:r>
+              <a:rPr lang="en-US" sz="3200" dirty="0">
+                <a:solidFill>
+                  <a:schemeClr val="bg1"/>
+                </a:solidFill>
+                <a:latin typeface="Arial Rounded MT Bold" panose="020F0704030504030204" pitchFamily="34" charset="0"/>
+              </a:rPr>
+              <a:t>: explanation and use cases </a:t>
+            </a:r>
+          </a:p>
+          <a:p>
+            <a:r>
+              <a:rPr lang="en-US" sz="3200" dirty="0">
+                <a:solidFill>
+                  <a:schemeClr val="bg1"/>
+                </a:solidFill>
+                <a:latin typeface="Arial Rounded MT Bold" panose="020F0704030504030204" pitchFamily="34" charset="0"/>
+              </a:rPr>
+              <a:t>• conclusion and future developments</a:t>
+            </a:r>
+            <a:endParaRPr lang="fr-FR" sz="3200" dirty="0">
+              <a:solidFill>
+                <a:schemeClr val="bg1"/>
+              </a:solidFill>
+              <a:latin typeface="Arial Rounded MT Bold" panose="020F0704030504030204" pitchFamily="34" charset="0"/>
+            </a:endParaRPr>
+          </a:p>
+        </p:txBody>
+      </p:sp>
+    </p:spTree>
+    <p:extLst>
+      <p:ext uri="{BB962C8B-B14F-4D97-AF65-F5344CB8AC3E}">
+        <p14:creationId xmlns:p14="http://schemas.microsoft.com/office/powerpoint/2010/main" val="685864201"/>
+      </p:ext>
+    </p:extLst>
+  </p:cSld>
+  <p:clrMapOvr>
+    <a:masterClrMapping/>
+  </p:clrMapOvr>
+</p:sld>
+</file>
+
+<file path=ppt/slides/slide3.xml><?xml version="1.0" encoding="utf-8"?>
+<p:sld xmlns:a="http://schemas.openxmlformats.org/drawingml/2006/main" xmlns:r="http://schemas.openxmlformats.org/officeDocument/2006/relationships" xmlns:p="http://schemas.openxmlformats.org/presentationml/2006/main">
+  <p:cSld name="Slide 1">
+    <p:spTree>
+      <p:nvGrpSpPr>
+        <p:cNvPr id="1" name=""/>
+        <p:cNvGrpSpPr/>
+        <p:nvPr/>
+      </p:nvGrpSpPr>
+      <p:grpSpPr>
+        <a:xfrm>
+          <a:off x="0" y="0"/>
+          <a:ext cx="0" cy="0"/>
+          <a:chOff x="0" y="0"/>
+          <a:chExt cx="0" cy="0"/>
+        </a:xfrm>
+      </p:grpSpPr>
+      <p:pic>
+        <p:nvPicPr>
+          <p:cNvPr id="10" name="Image 1" descr="preencoded.png"/>
+          <p:cNvPicPr>
+            <a:picLocks noChangeAspect="1"/>
+          </p:cNvPicPr>
+          <p:nvPr/>
+        </p:nvPicPr>
+        <p:blipFill>
+          <a:blip r:embed="rId3"/>
+          <a:stretch>
+            <a:fillRect/>
+          </a:stretch>
+        </p:blipFill>
+        <p:spPr>
+          <a:xfrm>
+            <a:off x="12242153" y="7589520"/>
+            <a:ext cx="2296807" cy="548640"/>
+          </a:xfrm>
+          <a:prstGeom prst="rect">
+            <a:avLst/>
+          </a:prstGeom>
+        </p:spPr>
+      </p:pic>
+      <p:sp>
+        <p:nvSpPr>
+          <p:cNvPr id="8" name="Text 5"/>
+          <p:cNvSpPr/>
+          <p:nvPr/>
+        </p:nvSpPr>
+        <p:spPr>
+          <a:xfrm>
+            <a:off x="6529906" y="7680960"/>
+            <a:ext cx="182880" cy="365760"/>
+          </a:xfrm>
+          <a:prstGeom prst="rect">
+            <a:avLst/>
+          </a:prstGeom>
+          <a:noFill/>
+          <a:ln/>
+        </p:spPr>
+        <p:txBody>
+          <a:bodyPr wrap="none" rtlCol="0" anchor="t"/>
+          <a:lstStyle/>
+          <a:p>
+            <a:pPr marL="0" indent="0" algn="ctr">
+              <a:lnSpc>
+                <a:spcPts val="2880"/>
+              </a:lnSpc>
+              <a:buNone/>
+            </a:pPr>
+            <a:r>
+              <a:rPr lang="en-US" sz="1152" dirty="0">
+                <a:solidFill>
+                  <a:srgbClr val="3C3838"/>
+                </a:solidFill>
+                <a:latin typeface="Arimo" pitchFamily="34" charset="0"/>
+                <a:ea typeface="Arimo" pitchFamily="34" charset="-122"/>
+                <a:cs typeface="Arimo" pitchFamily="34" charset="-120"/>
+              </a:rPr>
+              <a:t>sL</a:t>
+            </a:r>
+            <a:endParaRPr lang="en-US" sz="1152" dirty="0"/>
+          </a:p>
+        </p:txBody>
+      </p:sp>
+      <p:sp>
+        <p:nvSpPr>
+          <p:cNvPr id="7" name="Shape 4"/>
+          <p:cNvSpPr/>
+          <p:nvPr/>
+        </p:nvSpPr>
+        <p:spPr>
+          <a:xfrm>
+            <a:off x="6319599" y="6605826"/>
+            <a:ext cx="355402" cy="355402"/>
+          </a:xfrm>
+          <a:prstGeom prst="roundRect">
+            <a:avLst>
+              <a:gd name="adj" fmla="val 25726039"/>
+            </a:avLst>
+          </a:prstGeom>
+          <a:solidFill>
+            <a:srgbClr val="31BF9A"/>
+          </a:solidFill>
+          <a:ln w="7620">
+            <a:solidFill>
+              <a:srgbClr val="FFFFFF"/>
+            </a:solidFill>
+            <a:prstDash val="solid"/>
+          </a:ln>
+        </p:spPr>
+      </p:sp>
+      <p:sp>
+        <p:nvSpPr>
+          <p:cNvPr id="2" name="Shape 0"/>
+          <p:cNvSpPr/>
+          <p:nvPr/>
+        </p:nvSpPr>
+        <p:spPr>
+          <a:xfrm>
+            <a:off x="0" y="0"/>
+            <a:ext cx="14630400" cy="8229600"/>
+          </a:xfrm>
+          <a:prstGeom prst="rect">
+            <a:avLst/>
+          </a:prstGeom>
+          <a:solidFill>
+            <a:srgbClr val="150D48"/>
+          </a:solidFill>
+          <a:ln/>
+        </p:spPr>
+      </p:sp>
+      <p:sp>
+        <p:nvSpPr>
+          <p:cNvPr id="3" name="Shape 1"/>
+          <p:cNvSpPr/>
+          <p:nvPr/>
+        </p:nvSpPr>
+        <p:spPr>
+          <a:xfrm>
+            <a:off x="0" y="0"/>
+            <a:ext cx="14630400" cy="8229600"/>
+          </a:xfrm>
+          <a:prstGeom prst="rect">
+            <a:avLst/>
+          </a:prstGeom>
+          <a:solidFill>
+            <a:srgbClr val="0C0A33"/>
+          </a:solidFill>
+          <a:ln/>
+        </p:spPr>
+        <p:txBody>
+          <a:bodyPr/>
+          <a:lstStyle/>
+          <a:p>
+            <a:endParaRPr lang="fr-FR" dirty="0"/>
+          </a:p>
+        </p:txBody>
+      </p:sp>
+      <p:pic>
+        <p:nvPicPr>
+          <p:cNvPr id="4" name="Image 0" descr="preencoded.png"/>
+          <p:cNvPicPr>
+            <a:picLocks noChangeAspect="1"/>
+          </p:cNvPicPr>
+          <p:nvPr/>
+        </p:nvPicPr>
+        <p:blipFill>
+          <a:blip r:embed="rId4"/>
+          <a:stretch>
+            <a:fillRect/>
+          </a:stretch>
+        </p:blipFill>
+        <p:spPr>
+          <a:xfrm>
+            <a:off x="0" y="0"/>
+            <a:ext cx="5486400" cy="8229600"/>
+          </a:xfrm>
+          <a:prstGeom prst="rect">
+            <a:avLst/>
+          </a:prstGeom>
+        </p:spPr>
+      </p:pic>
+      <p:sp>
+        <p:nvSpPr>
+          <p:cNvPr id="5" name="Text 2"/>
+          <p:cNvSpPr/>
+          <p:nvPr/>
+        </p:nvSpPr>
+        <p:spPr>
+          <a:xfrm>
+            <a:off x="6319599" y="1251585"/>
+            <a:ext cx="7477601" cy="3332798"/>
+          </a:xfrm>
+          <a:prstGeom prst="rect">
+            <a:avLst/>
+          </a:prstGeom>
+          <a:noFill/>
+          <a:ln/>
+        </p:spPr>
+        <p:txBody>
+          <a:bodyPr wrap="square" rtlCol="0" anchor="t"/>
+          <a:lstStyle/>
+          <a:p>
+            <a:pPr marL="0" indent="0">
+              <a:lnSpc>
+                <a:spcPts val="6561"/>
+              </a:lnSpc>
+              <a:buNone/>
+            </a:pPr>
+            <a:r>
+              <a:rPr lang="en-US" sz="5249" b="1" dirty="0">
+                <a:solidFill>
+                  <a:srgbClr val="FFFFFF"/>
+                </a:solidFill>
+                <a:latin typeface="Syne" pitchFamily="34" charset="0"/>
+                <a:ea typeface="Syne" pitchFamily="34" charset="-122"/>
+                <a:cs typeface="Syne" pitchFamily="34" charset="-120"/>
+              </a:rPr>
+              <a:t>TIC and Related Technologies: Revolutionizing the Modern World</a:t>
+            </a:r>
+            <a:endParaRPr lang="en-US" sz="5249" dirty="0"/>
+          </a:p>
+        </p:txBody>
+      </p:sp>
+      <p:sp>
+        <p:nvSpPr>
+          <p:cNvPr id="6" name="Text 3" descr="Tic (technology, information, and communication) has indeed revolutionized the modern world. Advances in these fields have transformed industries, communication, and daily life. From smartphones to the internet, Tic technologies have interconnected the globe, facilitating rapid information exchange and innovation. The impact spans healthcare, education, business, and beyond, shaping a dynamic and interconnected global society">
+            <a:extLst>
+              <a:ext uri="{C183D7F6-B498-43B3-948B-1728B52AA6E4}">
+                <adec:decorative xmlns:adec="http://schemas.microsoft.com/office/drawing/2017/decorative" val="0"/>
+              </a:ext>
+            </a:extLst>
+          </p:cNvPr>
+          <p:cNvSpPr/>
+          <p:nvPr/>
+        </p:nvSpPr>
+        <p:spPr>
+          <a:xfrm>
+            <a:off x="6319599" y="4917638"/>
+            <a:ext cx="7477601" cy="1421606"/>
+          </a:xfrm>
+          <a:prstGeom prst="rect">
+            <a:avLst/>
+          </a:prstGeom>
+          <a:noFill/>
+          <a:ln/>
+        </p:spPr>
+        <p:txBody>
+          <a:bodyPr wrap="square" rtlCol="0" anchor="t"/>
+          <a:lstStyle/>
+          <a:p>
+            <a:pPr marL="0" indent="0">
+              <a:lnSpc>
+                <a:spcPts val="2799"/>
+              </a:lnSpc>
+              <a:buNone/>
+            </a:pPr>
+            <a:r>
+              <a:rPr lang="en-US" sz="1750" dirty="0">
+                <a:solidFill>
+                  <a:srgbClr val="D9E1FF"/>
+                </a:solidFill>
+                <a:latin typeface="Arimo" pitchFamily="34" charset="0"/>
+                <a:ea typeface="Arimo" pitchFamily="34" charset="-122"/>
+                <a:cs typeface="Arimo" pitchFamily="34" charset="-120"/>
+              </a:rPr>
+              <a:t>Technology has revolutionized the way we communicate, work, and live. In this presentation, we will explore the impact of information and communication technologies (TIC) and related technologies such as Google services, Microsoft tools, Git, and GitHub.</a:t>
+            </a:r>
+            <a:endParaRPr lang="en-US" sz="1750" dirty="0"/>
+          </a:p>
+        </p:txBody>
+      </p:sp>
+      <p:sp>
+        <p:nvSpPr>
+          <p:cNvPr id="9" name="Text 6"/>
+          <p:cNvSpPr/>
+          <p:nvPr/>
+        </p:nvSpPr>
+        <p:spPr>
+          <a:xfrm>
+            <a:off x="6786086" y="6589157"/>
+            <a:ext cx="1783080" cy="388858"/>
+          </a:xfrm>
+          <a:prstGeom prst="rect">
+            <a:avLst/>
+          </a:prstGeom>
+          <a:noFill/>
+          <a:ln/>
+        </p:spPr>
+        <p:txBody>
+          <a:bodyPr wrap="none" rtlCol="0" anchor="t"/>
+          <a:lstStyle/>
+          <a:p>
+            <a:pPr marL="0" indent="0" algn="l">
+              <a:lnSpc>
+                <a:spcPts val="3062"/>
+              </a:lnSpc>
+              <a:buNone/>
+            </a:pPr>
+            <a:r>
+              <a:rPr lang="en-US" sz="2400" b="1" dirty="0">
+                <a:solidFill>
+                  <a:srgbClr val="0C0A33"/>
+                </a:solidFill>
+                <a:latin typeface="Arimo" pitchFamily="34" charset="0"/>
+                <a:ea typeface="Arimo" pitchFamily="34" charset="-122"/>
+                <a:cs typeface="Arimo" pitchFamily="34" charset="-120"/>
+              </a:rPr>
+              <a:t>by sara Laribi</a:t>
+            </a:r>
+            <a:endParaRPr lang="en-US" sz="2400" dirty="0">
+              <a:solidFill>
+                <a:srgbClr val="0C0A33"/>
+              </a:solidFill>
+            </a:endParaRPr>
+          </a:p>
+        </p:txBody>
+      </p:sp>
+    </p:spTree>
+  </p:cSld>
+  <p:clrMapOvr>
+    <a:masterClrMapping/>
+  </p:clrMapOvr>
+</p:sld>
+</file>
+
+<file path=ppt/slides/slide4.xml><?xml version="1.0" encoding="utf-8"?>
+<p:sld xmlns:a="http://schemas.openxmlformats.org/drawingml/2006/main" xmlns:r="http://schemas.openxmlformats.org/officeDocument/2006/relationships" xmlns:p="http://schemas.openxmlformats.org/presentationml/2006/main">
+  <p:cSld name="Slide 2">
+    <p:spTree>
+      <p:nvGrpSpPr>
+        <p:cNvPr id="1" name=""/>
+        <p:cNvGrpSpPr/>
+        <p:nvPr/>
+      </p:nvGrpSpPr>
+      <p:grpSpPr>
+        <a:xfrm>
+          <a:off x="0" y="0"/>
+          <a:ext cx="0" cy="0"/>
+          <a:chOff x="0" y="0"/>
+          <a:chExt cx="0" cy="0"/>
+        </a:xfrm>
+      </p:grpSpPr>
+      <p:pic>
+        <p:nvPicPr>
+          <p:cNvPr id="14" name="Image 1" descr="preencoded.png"/>
+          <p:cNvPicPr>
+            <a:picLocks noChangeAspect="1"/>
+          </p:cNvPicPr>
+          <p:nvPr/>
+        </p:nvPicPr>
+        <p:blipFill>
+          <a:blip r:embed="rId3"/>
+          <a:stretch>
+            <a:fillRect/>
+          </a:stretch>
+        </p:blipFill>
+        <p:spPr>
+          <a:xfrm>
+            <a:off x="12242153" y="7589520"/>
+            <a:ext cx="2296807" cy="548640"/>
+          </a:xfrm>
+          <a:prstGeom prst="rect">
+            <a:avLst/>
+          </a:prstGeom>
+        </p:spPr>
+      </p:pic>
+      <p:sp>
+        <p:nvSpPr>
+          <p:cNvPr id="2" name="Shape 0"/>
+          <p:cNvSpPr/>
+          <p:nvPr/>
+        </p:nvSpPr>
+        <p:spPr>
+          <a:xfrm>
+            <a:off x="0" y="0"/>
+            <a:ext cx="14630400" cy="8229600"/>
+          </a:xfrm>
+          <a:prstGeom prst="rect">
+            <a:avLst/>
+          </a:prstGeom>
+          <a:solidFill>
+            <a:srgbClr val="150D48"/>
+          </a:solidFill>
+          <a:ln/>
+        </p:spPr>
+      </p:sp>
+      <p:sp>
+        <p:nvSpPr>
+          <p:cNvPr id="3" name="Shape 1"/>
+          <p:cNvSpPr/>
+          <p:nvPr/>
+        </p:nvSpPr>
+        <p:spPr>
+          <a:xfrm>
+            <a:off x="0" y="0"/>
+            <a:ext cx="14630400" cy="8229600"/>
+          </a:xfrm>
+          <a:prstGeom prst="rect">
+            <a:avLst/>
+          </a:prstGeom>
+          <a:solidFill>
+            <a:srgbClr val="0C0A33"/>
+          </a:solidFill>
+          <a:ln/>
+        </p:spPr>
+      </p:sp>
+      <p:pic>
+        <p:nvPicPr>
+          <p:cNvPr id="4" name="Image 0" descr="preencoded.png"/>
+          <p:cNvPicPr>
+            <a:picLocks noChangeAspect="1"/>
+          </p:cNvPicPr>
+          <p:nvPr/>
+        </p:nvPicPr>
+        <p:blipFill>
+          <a:blip r:embed="rId4"/>
+          <a:stretch>
+            <a:fillRect/>
+          </a:stretch>
+        </p:blipFill>
+        <p:spPr>
+          <a:xfrm>
+            <a:off x="0" y="0"/>
+            <a:ext cx="3657600" cy="8229600"/>
+          </a:xfrm>
+          <a:prstGeom prst="rect">
+            <a:avLst/>
+          </a:prstGeom>
+        </p:spPr>
+      </p:pic>
+      <p:sp>
+        <p:nvSpPr>
+          <p:cNvPr id="5" name="Text 2"/>
+          <p:cNvSpPr/>
+          <p:nvPr/>
+        </p:nvSpPr>
+        <p:spPr>
+          <a:xfrm>
+            <a:off x="4490799" y="1822371"/>
+            <a:ext cx="9306401" cy="1388745"/>
+          </a:xfrm>
+          <a:prstGeom prst="rect">
+            <a:avLst/>
+          </a:prstGeom>
+          <a:noFill/>
+          <a:ln/>
+        </p:spPr>
+        <p:txBody>
+          <a:bodyPr wrap="square" rtlCol="0" anchor="t"/>
+          <a:lstStyle/>
+          <a:p>
+            <a:pPr marL="0" indent="0">
+              <a:lnSpc>
+                <a:spcPts val="5468"/>
+              </a:lnSpc>
+              <a:buNone/>
+            </a:pPr>
+            <a:r>
+              <a:rPr lang="en-US" sz="4374" b="1" dirty="0">
+                <a:solidFill>
+                  <a:srgbClr val="FFFFFF"/>
+                </a:solidFill>
+                <a:latin typeface="Syne" pitchFamily="34" charset="0"/>
+                <a:ea typeface="Syne" pitchFamily="34" charset="-122"/>
+                <a:cs typeface="Syne" pitchFamily="34" charset="-120"/>
+              </a:rPr>
+              <a:t>The Definition and Importance of TIC</a:t>
+            </a:r>
+            <a:endParaRPr lang="en-US" sz="4374" dirty="0"/>
+          </a:p>
+        </p:txBody>
+      </p:sp>
+      <p:sp>
+        <p:nvSpPr>
+          <p:cNvPr id="6" name="Shape 3"/>
+          <p:cNvSpPr/>
+          <p:nvPr/>
+        </p:nvSpPr>
+        <p:spPr>
+          <a:xfrm>
+            <a:off x="4490799" y="3717965"/>
+            <a:ext cx="499943" cy="499943"/>
+          </a:xfrm>
+          <a:prstGeom prst="roundRect">
+            <a:avLst>
+              <a:gd name="adj" fmla="val 13333"/>
+            </a:avLst>
+          </a:prstGeom>
+          <a:solidFill>
+            <a:srgbClr val="171542"/>
+          </a:solidFill>
+          <a:ln/>
+        </p:spPr>
+      </p:sp>
+      <p:sp>
+        <p:nvSpPr>
+          <p:cNvPr id="7" name="Text 4"/>
+          <p:cNvSpPr/>
+          <p:nvPr/>
+        </p:nvSpPr>
+        <p:spPr>
+          <a:xfrm>
+            <a:off x="4675942" y="3759637"/>
+            <a:ext cx="129540" cy="416481"/>
+          </a:xfrm>
+          <a:prstGeom prst="rect">
+            <a:avLst/>
+          </a:prstGeom>
+          <a:noFill/>
+          <a:ln/>
+        </p:spPr>
+        <p:txBody>
+          <a:bodyPr wrap="none" rtlCol="0" anchor="t"/>
+          <a:lstStyle/>
+          <a:p>
+            <a:pPr marL="0" indent="0" algn="ctr">
+              <a:lnSpc>
+                <a:spcPts val="3281"/>
+              </a:lnSpc>
+              <a:buNone/>
+            </a:pPr>
+            <a:r>
+              <a:rPr lang="en-US" sz="2624" b="1" dirty="0">
+                <a:solidFill>
+                  <a:srgbClr val="FFFFFF"/>
+                </a:solidFill>
+                <a:latin typeface="Syne" pitchFamily="34" charset="0"/>
+                <a:ea typeface="Syne" pitchFamily="34" charset="-122"/>
+                <a:cs typeface="Syne" pitchFamily="34" charset="-120"/>
+              </a:rPr>
+              <a:t>1</a:t>
+            </a:r>
+            <a:endParaRPr lang="en-US" sz="2624" dirty="0"/>
+          </a:p>
+        </p:txBody>
+      </p:sp>
+      <p:sp>
+        <p:nvSpPr>
+          <p:cNvPr id="8" name="Text 5"/>
+          <p:cNvSpPr/>
+          <p:nvPr/>
+        </p:nvSpPr>
+        <p:spPr>
+          <a:xfrm>
+            <a:off x="5212913" y="3794284"/>
+            <a:ext cx="2221944" cy="347186"/>
+          </a:xfrm>
+          <a:prstGeom prst="rect">
+            <a:avLst/>
+          </a:prstGeom>
+          <a:noFill/>
+          <a:ln/>
+        </p:spPr>
+        <p:txBody>
+          <a:bodyPr wrap="none" rtlCol="0" anchor="t"/>
+          <a:lstStyle/>
+          <a:p>
+            <a:pPr marL="0" indent="0">
+              <a:lnSpc>
+                <a:spcPts val="2734"/>
+              </a:lnSpc>
+              <a:buNone/>
+            </a:pPr>
+            <a:r>
+              <a:rPr lang="en-US" sz="2187" b="1" dirty="0">
+                <a:solidFill>
+                  <a:srgbClr val="FFFFFF"/>
+                </a:solidFill>
+                <a:latin typeface="Syne" pitchFamily="34" charset="0"/>
+                <a:ea typeface="Syne" pitchFamily="34" charset="-122"/>
+                <a:cs typeface="Syne" pitchFamily="34" charset="-120"/>
+              </a:rPr>
+              <a:t>What is TIC?</a:t>
+            </a:r>
+            <a:endParaRPr lang="en-US" sz="2187" dirty="0"/>
+          </a:p>
+        </p:txBody>
+      </p:sp>
+      <p:sp>
+        <p:nvSpPr>
+          <p:cNvPr id="9" name="Text 6"/>
+          <p:cNvSpPr/>
+          <p:nvPr/>
+        </p:nvSpPr>
+        <p:spPr>
+          <a:xfrm>
+            <a:off x="5212913" y="4274701"/>
+            <a:ext cx="3820001" cy="2132409"/>
+          </a:xfrm>
+          <a:prstGeom prst="rect">
+            <a:avLst/>
+          </a:prstGeom>
+          <a:noFill/>
+          <a:ln/>
+        </p:spPr>
+        <p:txBody>
+          <a:bodyPr wrap="square" rtlCol="0" anchor="t"/>
+          <a:lstStyle/>
+          <a:p>
+            <a:pPr marL="0" indent="0">
+              <a:lnSpc>
+                <a:spcPts val="2799"/>
+              </a:lnSpc>
+              <a:buNone/>
+            </a:pPr>
+            <a:r>
+              <a:rPr lang="en-US" sz="1750" dirty="0">
+                <a:solidFill>
+                  <a:srgbClr val="D9E1FF"/>
+                </a:solidFill>
+                <a:latin typeface="Arimo" pitchFamily="34" charset="0"/>
+                <a:ea typeface="Arimo" pitchFamily="34" charset="-122"/>
+                <a:cs typeface="Arimo" pitchFamily="34" charset="-120"/>
+              </a:rPr>
+              <a:t>TIC stands for Information and Communication Technologies, which are technologies that enable fast and efficient communication and the processing and distribution of information.</a:t>
+            </a:r>
+            <a:endParaRPr lang="en-US" sz="1750" dirty="0"/>
+          </a:p>
+        </p:txBody>
+      </p:sp>
+      <p:sp>
+        <p:nvSpPr>
+          <p:cNvPr id="10" name="Shape 7"/>
+          <p:cNvSpPr/>
+          <p:nvPr/>
+        </p:nvSpPr>
+        <p:spPr>
+          <a:xfrm>
+            <a:off x="9255085" y="3717965"/>
+            <a:ext cx="499943" cy="499943"/>
+          </a:xfrm>
+          <a:prstGeom prst="roundRect">
+            <a:avLst>
+              <a:gd name="adj" fmla="val 13333"/>
+            </a:avLst>
+          </a:prstGeom>
+          <a:solidFill>
+            <a:srgbClr val="171542"/>
+          </a:solidFill>
+          <a:ln/>
+        </p:spPr>
+      </p:sp>
+      <p:sp>
+        <p:nvSpPr>
+          <p:cNvPr id="11" name="Text 8"/>
+          <p:cNvSpPr/>
+          <p:nvPr/>
+        </p:nvSpPr>
+        <p:spPr>
+          <a:xfrm>
+            <a:off x="9402128" y="3759637"/>
+            <a:ext cx="205740" cy="416481"/>
+          </a:xfrm>
+          <a:prstGeom prst="rect">
+            <a:avLst/>
+          </a:prstGeom>
+          <a:noFill/>
+          <a:ln/>
+        </p:spPr>
+        <p:txBody>
+          <a:bodyPr wrap="none" rtlCol="0" anchor="t"/>
+          <a:lstStyle/>
+          <a:p>
+            <a:pPr marL="0" indent="0" algn="ctr">
+              <a:lnSpc>
+                <a:spcPts val="3281"/>
+              </a:lnSpc>
+              <a:buNone/>
+            </a:pPr>
+            <a:r>
+              <a:rPr lang="en-US" sz="2624" b="1" dirty="0">
+                <a:solidFill>
+                  <a:srgbClr val="FFFFFF"/>
+                </a:solidFill>
+                <a:latin typeface="Syne" pitchFamily="34" charset="0"/>
+                <a:ea typeface="Syne" pitchFamily="34" charset="-122"/>
+                <a:cs typeface="Syne" pitchFamily="34" charset="-120"/>
+              </a:rPr>
+              <a:t>2</a:t>
+            </a:r>
+            <a:endParaRPr lang="en-US" sz="2624" dirty="0"/>
+          </a:p>
+        </p:txBody>
+      </p:sp>
+      <p:sp>
+        <p:nvSpPr>
+          <p:cNvPr id="12" name="Text 9"/>
+          <p:cNvSpPr/>
+          <p:nvPr/>
+        </p:nvSpPr>
+        <p:spPr>
+          <a:xfrm>
+            <a:off x="9977199" y="3794284"/>
+            <a:ext cx="2788920" cy="347186"/>
+          </a:xfrm>
+          <a:prstGeom prst="rect">
+            <a:avLst/>
+          </a:prstGeom>
+          <a:noFill/>
+          <a:ln/>
+        </p:spPr>
+        <p:txBody>
+          <a:bodyPr wrap="none" rtlCol="0" anchor="t"/>
+          <a:lstStyle/>
+          <a:p>
+            <a:pPr marL="0" indent="0">
+              <a:lnSpc>
+                <a:spcPts val="2734"/>
+              </a:lnSpc>
+              <a:buNone/>
+            </a:pPr>
+            <a:r>
+              <a:rPr lang="en-US" sz="2187" b="1" dirty="0">
+                <a:solidFill>
+                  <a:srgbClr val="FFFFFF"/>
+                </a:solidFill>
+                <a:latin typeface="Syne" pitchFamily="34" charset="0"/>
+                <a:ea typeface="Syne" pitchFamily="34" charset="-122"/>
+                <a:cs typeface="Syne" pitchFamily="34" charset="-120"/>
+              </a:rPr>
+              <a:t>Importance of TIC</a:t>
+            </a:r>
+            <a:endParaRPr lang="en-US" sz="2187" dirty="0"/>
+          </a:p>
+        </p:txBody>
+      </p:sp>
+      <p:sp>
+        <p:nvSpPr>
+          <p:cNvPr id="13" name="Text 10"/>
+          <p:cNvSpPr/>
+          <p:nvPr/>
+        </p:nvSpPr>
+        <p:spPr>
+          <a:xfrm>
+            <a:off x="9977199" y="4274701"/>
+            <a:ext cx="3820001" cy="1777008"/>
+          </a:xfrm>
+          <a:prstGeom prst="rect">
+            <a:avLst/>
+          </a:prstGeom>
+          <a:noFill/>
+          <a:ln/>
+        </p:spPr>
+        <p:txBody>
+          <a:bodyPr wrap="square" rtlCol="0" anchor="t"/>
+          <a:lstStyle/>
+          <a:p>
+            <a:pPr marL="0" indent="0">
+              <a:lnSpc>
+                <a:spcPts val="2799"/>
+              </a:lnSpc>
+              <a:buNone/>
+            </a:pPr>
+            <a:r>
+              <a:rPr lang="en-US" sz="1750" dirty="0">
+                <a:solidFill>
+                  <a:srgbClr val="D9E1FF"/>
+                </a:solidFill>
+                <a:latin typeface="Arimo" pitchFamily="34" charset="0"/>
+                <a:ea typeface="Arimo" pitchFamily="34" charset="-122"/>
+                <a:cs typeface="Arimo" pitchFamily="34" charset="-120"/>
+              </a:rPr>
+              <a:t>TIC has become an essential part of our daily lives, revolutionizing the way we connect, learn, and work. Its impact can be seen in various fields such as education, business, and healthcare.</a:t>
+            </a:r>
+            <a:endParaRPr lang="en-US" sz="1750" dirty="0"/>
+          </a:p>
+        </p:txBody>
+      </p:sp>
+    </p:spTree>
+  </p:cSld>
+  <p:clrMapOvr>
+    <a:masterClrMapping/>
+  </p:clrMapOvr>
+</p:sld>
+</file>
+
+<file path=ppt/slides/slide5.xml><?xml version="1.0" encoding="utf-8"?>
+<p:sld xmlns:a="http://schemas.openxmlformats.org/drawingml/2006/main" xmlns:r="http://schemas.openxmlformats.org/officeDocument/2006/relationships" xmlns:p="http://schemas.openxmlformats.org/presentationml/2006/main">
+  <p:cSld name="Slide 3">
+    <p:spTree>
+      <p:nvGrpSpPr>
+        <p:cNvPr id="1" name=""/>
+        <p:cNvGrpSpPr/>
+        <p:nvPr/>
+      </p:nvGrpSpPr>
+      <p:grpSpPr>
+        <a:xfrm>
+          <a:off x="0" y="0"/>
+          <a:ext cx="0" cy="0"/>
+          <a:chOff x="0" y="0"/>
+          <a:chExt cx="0" cy="0"/>
+        </a:xfrm>
+      </p:grpSpPr>
+      <p:pic>
+        <p:nvPicPr>
+          <p:cNvPr id="17" name="Image 4" descr="preencoded.png"/>
+          <p:cNvPicPr>
+            <a:picLocks noChangeAspect="1"/>
+          </p:cNvPicPr>
+          <p:nvPr/>
+        </p:nvPicPr>
+        <p:blipFill>
+          <a:blip r:embed="rId3"/>
+          <a:stretch>
+            <a:fillRect/>
+          </a:stretch>
+        </p:blipFill>
+        <p:spPr>
+          <a:xfrm>
+            <a:off x="12242153" y="7589520"/>
+            <a:ext cx="2296807" cy="548640"/>
+          </a:xfrm>
+          <a:prstGeom prst="rect">
+            <a:avLst/>
+          </a:prstGeom>
+        </p:spPr>
+      </p:pic>
+      <p:sp>
+        <p:nvSpPr>
+          <p:cNvPr id="2" name="Shape 0"/>
+          <p:cNvSpPr/>
+          <p:nvPr/>
+        </p:nvSpPr>
+        <p:spPr>
+          <a:xfrm>
+            <a:off x="0" y="0"/>
+            <a:ext cx="14630400" cy="8229600"/>
+          </a:xfrm>
+          <a:prstGeom prst="rect">
+            <a:avLst/>
+          </a:prstGeom>
+          <a:solidFill>
+            <a:srgbClr val="150D48"/>
+          </a:solidFill>
+          <a:ln/>
+        </p:spPr>
+      </p:sp>
+      <p:sp>
+        <p:nvSpPr>
+          <p:cNvPr id="3" name="Shape 1"/>
+          <p:cNvSpPr/>
+          <p:nvPr/>
+        </p:nvSpPr>
+        <p:spPr>
+          <a:xfrm>
+            <a:off x="0" y="0"/>
+            <a:ext cx="14630400" cy="8229600"/>
+          </a:xfrm>
+          <a:prstGeom prst="rect">
+            <a:avLst/>
+          </a:prstGeom>
+          <a:solidFill>
+            <a:srgbClr val="0C0A33"/>
+          </a:solidFill>
+          <a:ln/>
+        </p:spPr>
+      </p:sp>
+      <p:sp>
+        <p:nvSpPr>
+          <p:cNvPr id="4" name="Text 2"/>
+          <p:cNvSpPr/>
+          <p:nvPr/>
+        </p:nvSpPr>
+        <p:spPr>
+          <a:xfrm>
+            <a:off x="2348389" y="1062871"/>
+            <a:ext cx="9933503" cy="1388745"/>
+          </a:xfrm>
+          <a:prstGeom prst="rect">
+            <a:avLst/>
+          </a:prstGeom>
+          <a:noFill/>
+          <a:ln/>
+        </p:spPr>
+        <p:txBody>
+          <a:bodyPr wrap="square" rtlCol="0" anchor="t"/>
+          <a:lstStyle/>
+          <a:p>
+            <a:pPr marL="0" indent="0">
+              <a:lnSpc>
+                <a:spcPts val="5468"/>
+              </a:lnSpc>
+              <a:buNone/>
+            </a:pPr>
+            <a:r>
+              <a:rPr lang="en-US" sz="4374" b="1" dirty="0">
+                <a:solidFill>
+                  <a:srgbClr val="FFFFFF"/>
+                </a:solidFill>
+                <a:latin typeface="Syne" pitchFamily="34" charset="0"/>
+                <a:ea typeface="Syne" pitchFamily="34" charset="-122"/>
+                <a:cs typeface="Syne" pitchFamily="34" charset="-120"/>
+              </a:rPr>
+              <a:t>Google Services: Overview and Benefits</a:t>
+            </a:r>
+            <a:endParaRPr lang="en-US" sz="4374" dirty="0"/>
+          </a:p>
+        </p:txBody>
+      </p:sp>
+      <p:pic>
+        <p:nvPicPr>
+          <p:cNvPr id="5" name="Image 0" descr="preencoded.png"/>
+          <p:cNvPicPr>
+            <a:picLocks noChangeAspect="1"/>
+          </p:cNvPicPr>
+          <p:nvPr/>
+        </p:nvPicPr>
+        <p:blipFill>
+          <a:blip r:embed="rId4"/>
+          <a:stretch>
+            <a:fillRect/>
+          </a:stretch>
+        </p:blipFill>
+        <p:spPr>
+          <a:xfrm>
+            <a:off x="2348389" y="2895957"/>
+            <a:ext cx="2233374" cy="1380292"/>
+          </a:xfrm>
+          <a:prstGeom prst="rect">
+            <a:avLst/>
+          </a:prstGeom>
+        </p:spPr>
+      </p:pic>
+      <p:sp>
+        <p:nvSpPr>
+          <p:cNvPr id="6" name="Text 3"/>
+          <p:cNvSpPr/>
+          <p:nvPr/>
+        </p:nvSpPr>
+        <p:spPr>
+          <a:xfrm>
+            <a:off x="2348389" y="4553902"/>
+            <a:ext cx="2233374" cy="694373"/>
+          </a:xfrm>
+          <a:prstGeom prst="rect">
+            <a:avLst/>
+          </a:prstGeom>
+          <a:noFill/>
+          <a:ln/>
+        </p:spPr>
+        <p:txBody>
+          <a:bodyPr wrap="square" rtlCol="0" anchor="t"/>
+          <a:lstStyle/>
+          <a:p>
+            <a:pPr marL="0" indent="0" algn="l">
+              <a:lnSpc>
+                <a:spcPts val="2734"/>
+              </a:lnSpc>
+              <a:buNone/>
+            </a:pPr>
+            <a:r>
+              <a:rPr lang="en-US" sz="2187" b="1" dirty="0">
+                <a:solidFill>
+                  <a:srgbClr val="FFFFFF"/>
+                </a:solidFill>
+                <a:latin typeface="Syne" pitchFamily="34" charset="0"/>
+                <a:ea typeface="Syne" pitchFamily="34" charset="-122"/>
+                <a:cs typeface="Syne" pitchFamily="34" charset="-120"/>
+              </a:rPr>
+              <a:t>Google Search</a:t>
+            </a:r>
+            <a:endParaRPr lang="en-US" sz="2187" dirty="0"/>
+          </a:p>
+        </p:txBody>
+      </p:sp>
+      <p:sp>
+        <p:nvSpPr>
+          <p:cNvPr id="7" name="Text 4"/>
+          <p:cNvSpPr/>
+          <p:nvPr/>
+        </p:nvSpPr>
+        <p:spPr>
+          <a:xfrm>
+            <a:off x="2348389" y="5381506"/>
+            <a:ext cx="2233374" cy="1777008"/>
+          </a:xfrm>
+          <a:prstGeom prst="rect">
+            <a:avLst/>
+          </a:prstGeom>
+          <a:noFill/>
+          <a:ln/>
+        </p:spPr>
+        <p:txBody>
+          <a:bodyPr wrap="square" rtlCol="0" anchor="t"/>
+          <a:lstStyle/>
+          <a:p>
+            <a:pPr marL="0" indent="0" algn="l">
+              <a:lnSpc>
+                <a:spcPts val="2799"/>
+              </a:lnSpc>
+              <a:buNone/>
+            </a:pPr>
+            <a:r>
+              <a:rPr lang="en-US" sz="1750" dirty="0">
+                <a:solidFill>
+                  <a:srgbClr val="D9E1FF"/>
+                </a:solidFill>
+                <a:latin typeface="Arimo" pitchFamily="34" charset="0"/>
+                <a:ea typeface="Arimo" pitchFamily="34" charset="-122"/>
+                <a:cs typeface="Arimo" pitchFamily="34" charset="-120"/>
+              </a:rPr>
+              <a:t>Search engine that helps you easily find information and websites on the internet.</a:t>
+            </a:r>
+            <a:endParaRPr lang="en-US" sz="1750" dirty="0"/>
+          </a:p>
+        </p:txBody>
+      </p:sp>
+      <p:pic>
+        <p:nvPicPr>
+          <p:cNvPr id="8" name="Image 1" descr="preencoded.png"/>
+          <p:cNvPicPr>
+            <a:picLocks noChangeAspect="1"/>
+          </p:cNvPicPr>
+          <p:nvPr/>
+        </p:nvPicPr>
+        <p:blipFill>
+          <a:blip r:embed="rId5"/>
+          <a:stretch>
+            <a:fillRect/>
+          </a:stretch>
+        </p:blipFill>
+        <p:spPr>
+          <a:xfrm>
+            <a:off x="4915019" y="2895957"/>
+            <a:ext cx="2233493" cy="1380292"/>
+          </a:xfrm>
+          <a:prstGeom prst="rect">
+            <a:avLst/>
+          </a:prstGeom>
+        </p:spPr>
+      </p:pic>
+      <p:sp>
+        <p:nvSpPr>
+          <p:cNvPr id="9" name="Text 5"/>
+          <p:cNvSpPr/>
+          <p:nvPr/>
+        </p:nvSpPr>
+        <p:spPr>
+          <a:xfrm>
+            <a:off x="4915019" y="4553902"/>
+            <a:ext cx="2221944" cy="347186"/>
+          </a:xfrm>
+          <a:prstGeom prst="rect">
+            <a:avLst/>
+          </a:prstGeom>
+          <a:noFill/>
+          <a:ln/>
+        </p:spPr>
+        <p:txBody>
+          <a:bodyPr wrap="none" rtlCol="0" anchor="t"/>
+          <a:lstStyle/>
+          <a:p>
+            <a:pPr marL="0" indent="0" algn="l">
+              <a:lnSpc>
+                <a:spcPts val="2734"/>
+              </a:lnSpc>
+              <a:buNone/>
+            </a:pPr>
+            <a:r>
+              <a:rPr lang="en-US" sz="2187" b="1" dirty="0">
+                <a:solidFill>
+                  <a:srgbClr val="FFFFFF"/>
+                </a:solidFill>
+                <a:latin typeface="Syne" pitchFamily="34" charset="0"/>
+                <a:ea typeface="Syne" pitchFamily="34" charset="-122"/>
+                <a:cs typeface="Syne" pitchFamily="34" charset="-120"/>
+              </a:rPr>
+              <a:t>Google Maps</a:t>
+            </a:r>
+            <a:endParaRPr lang="en-US" sz="2187" dirty="0"/>
+          </a:p>
+        </p:txBody>
+      </p:sp>
+      <p:sp>
+        <p:nvSpPr>
+          <p:cNvPr id="10" name="Text 6"/>
+          <p:cNvSpPr/>
+          <p:nvPr/>
+        </p:nvSpPr>
+        <p:spPr>
+          <a:xfrm>
+            <a:off x="4915019" y="5034320"/>
+            <a:ext cx="2233493" cy="1066205"/>
+          </a:xfrm>
+          <a:prstGeom prst="rect">
+            <a:avLst/>
+          </a:prstGeom>
+          <a:noFill/>
+          <a:ln/>
+        </p:spPr>
+        <p:txBody>
+          <a:bodyPr wrap="square" rtlCol="0" anchor="t"/>
+          <a:lstStyle/>
+          <a:p>
+            <a:pPr marL="0" indent="0" algn="l">
+              <a:lnSpc>
+                <a:spcPts val="2799"/>
+              </a:lnSpc>
+              <a:buNone/>
+            </a:pPr>
+            <a:r>
+              <a:rPr lang="en-US" sz="1750" dirty="0">
+                <a:solidFill>
+                  <a:srgbClr val="D9E1FF"/>
+                </a:solidFill>
+                <a:latin typeface="Arimo" pitchFamily="34" charset="0"/>
+                <a:ea typeface="Arimo" pitchFamily="34" charset="-122"/>
+                <a:cs typeface="Arimo" pitchFamily="34" charset="-120"/>
+              </a:rPr>
+              <a:t>Maps, satellite views, and real-time traffic updates for navigation.</a:t>
+            </a:r>
+            <a:endParaRPr lang="en-US" sz="1750" dirty="0"/>
+          </a:p>
+        </p:txBody>
+      </p:sp>
+      <p:pic>
+        <p:nvPicPr>
+          <p:cNvPr id="11" name="Image 2" descr="preencoded.png"/>
+          <p:cNvPicPr>
+            <a:picLocks noChangeAspect="1"/>
+          </p:cNvPicPr>
+          <p:nvPr/>
+        </p:nvPicPr>
+        <p:blipFill>
+          <a:blip r:embed="rId6"/>
+          <a:stretch>
+            <a:fillRect/>
+          </a:stretch>
+        </p:blipFill>
+        <p:spPr>
+          <a:xfrm>
+            <a:off x="7481768" y="2895957"/>
+            <a:ext cx="2233374" cy="1380292"/>
+          </a:xfrm>
+          <a:prstGeom prst="rect">
+            <a:avLst/>
+          </a:prstGeom>
+        </p:spPr>
+      </p:pic>
+      <p:sp>
+        <p:nvSpPr>
+          <p:cNvPr id="12" name="Text 7"/>
+          <p:cNvSpPr/>
+          <p:nvPr/>
+        </p:nvSpPr>
+        <p:spPr>
+          <a:xfrm>
+            <a:off x="7481768" y="4553902"/>
+            <a:ext cx="2221944" cy="347186"/>
+          </a:xfrm>
+          <a:prstGeom prst="rect">
+            <a:avLst/>
+          </a:prstGeom>
+          <a:noFill/>
+          <a:ln/>
+        </p:spPr>
+        <p:txBody>
+          <a:bodyPr wrap="none" rtlCol="0" anchor="t"/>
+          <a:lstStyle/>
+          <a:p>
+            <a:pPr marL="0" indent="0" algn="l">
+              <a:lnSpc>
+                <a:spcPts val="2734"/>
+              </a:lnSpc>
+              <a:buNone/>
+            </a:pPr>
+            <a:r>
+              <a:rPr lang="en-US" sz="2187" b="1" dirty="0">
+                <a:solidFill>
+                  <a:srgbClr val="FFFFFF"/>
+                </a:solidFill>
+                <a:latin typeface="Syne" pitchFamily="34" charset="0"/>
+                <a:ea typeface="Syne" pitchFamily="34" charset="-122"/>
+                <a:cs typeface="Syne" pitchFamily="34" charset="-120"/>
+              </a:rPr>
+              <a:t>Google Drive</a:t>
+            </a:r>
+            <a:endParaRPr lang="en-US" sz="2187" dirty="0"/>
+          </a:p>
+        </p:txBody>
+      </p:sp>
+      <p:sp>
+        <p:nvSpPr>
+          <p:cNvPr id="13" name="Text 8"/>
+          <p:cNvSpPr/>
+          <p:nvPr/>
+        </p:nvSpPr>
+        <p:spPr>
+          <a:xfrm>
+            <a:off x="7481768" y="5034320"/>
+            <a:ext cx="2233374" cy="2132409"/>
+          </a:xfrm>
+          <a:prstGeom prst="rect">
+            <a:avLst/>
+          </a:prstGeom>
+          <a:noFill/>
+          <a:ln/>
+        </p:spPr>
+        <p:txBody>
+          <a:bodyPr wrap="square" rtlCol="0" anchor="t"/>
+          <a:lstStyle/>
+          <a:p>
+            <a:pPr marL="0" indent="0" algn="l">
+              <a:lnSpc>
+                <a:spcPts val="2799"/>
+              </a:lnSpc>
+              <a:buNone/>
+            </a:pPr>
+            <a:r>
+              <a:rPr lang="en-US" sz="1750" dirty="0">
+                <a:solidFill>
+                  <a:srgbClr val="D9E1FF"/>
+                </a:solidFill>
+                <a:latin typeface="Arimo" pitchFamily="34" charset="0"/>
+                <a:ea typeface="Arimo" pitchFamily="34" charset="-122"/>
+                <a:cs typeface="Arimo" pitchFamily="34" charset="-120"/>
+              </a:rPr>
+              <a:t>Cloud storage service that lets you store, share, and collaborate on documents, spreadsheets, and presentations.</a:t>
+            </a:r>
+            <a:endParaRPr lang="en-US" sz="1750" dirty="0"/>
+          </a:p>
+        </p:txBody>
+      </p:sp>
+      <p:pic>
+        <p:nvPicPr>
+          <p:cNvPr id="14" name="Image 3" descr="preencoded.png"/>
+          <p:cNvPicPr>
+            <a:picLocks noChangeAspect="1"/>
+          </p:cNvPicPr>
+          <p:nvPr/>
+        </p:nvPicPr>
+        <p:blipFill>
+          <a:blip r:embed="rId7"/>
+          <a:stretch>
+            <a:fillRect/>
+          </a:stretch>
+        </p:blipFill>
+        <p:spPr>
+          <a:xfrm>
+            <a:off x="10048399" y="2895957"/>
+            <a:ext cx="2233493" cy="1380292"/>
+          </a:xfrm>
+          <a:prstGeom prst="rect">
+            <a:avLst/>
+          </a:prstGeom>
+        </p:spPr>
+      </p:pic>
+      <p:sp>
+        <p:nvSpPr>
+          <p:cNvPr id="15" name="Text 9"/>
+          <p:cNvSpPr/>
+          <p:nvPr/>
+        </p:nvSpPr>
+        <p:spPr>
+          <a:xfrm>
+            <a:off x="10048399" y="4553902"/>
+            <a:ext cx="2221944" cy="347186"/>
+          </a:xfrm>
+          <a:prstGeom prst="rect">
+            <a:avLst/>
+          </a:prstGeom>
+          <a:noFill/>
+          <a:ln/>
+        </p:spPr>
+        <p:txBody>
+          <a:bodyPr wrap="none" rtlCol="0" anchor="t"/>
+          <a:lstStyle/>
+          <a:p>
+            <a:pPr marL="0" indent="0" algn="l">
+              <a:lnSpc>
+                <a:spcPts val="2734"/>
+              </a:lnSpc>
+              <a:buNone/>
+            </a:pPr>
+            <a:r>
+              <a:rPr lang="en-US" sz="2187" b="1" dirty="0">
+                <a:solidFill>
+                  <a:srgbClr val="FFFFFF"/>
+                </a:solidFill>
+                <a:latin typeface="Syne" pitchFamily="34" charset="0"/>
+                <a:ea typeface="Syne" pitchFamily="34" charset="-122"/>
+                <a:cs typeface="Syne" pitchFamily="34" charset="-120"/>
+              </a:rPr>
+              <a:t>Gmail</a:t>
+            </a:r>
+            <a:endParaRPr lang="en-US" sz="2187" dirty="0"/>
+          </a:p>
+        </p:txBody>
+      </p:sp>
+      <p:sp>
+        <p:nvSpPr>
+          <p:cNvPr id="16" name="Text 10"/>
+          <p:cNvSpPr/>
+          <p:nvPr/>
+        </p:nvSpPr>
+        <p:spPr>
+          <a:xfrm>
+            <a:off x="10048399" y="5034320"/>
+            <a:ext cx="2233493" cy="1421606"/>
+          </a:xfrm>
+          <a:prstGeom prst="rect">
+            <a:avLst/>
+          </a:prstGeom>
+          <a:noFill/>
+          <a:ln/>
+        </p:spPr>
+        <p:txBody>
+          <a:bodyPr wrap="square" rtlCol="0" anchor="t"/>
+          <a:lstStyle/>
+          <a:p>
+            <a:pPr marL="0" indent="0" algn="l">
+              <a:lnSpc>
+                <a:spcPts val="2799"/>
+              </a:lnSpc>
+              <a:buNone/>
+            </a:pPr>
+            <a:r>
+              <a:rPr lang="en-US" sz="1750" dirty="0">
+                <a:solidFill>
+                  <a:srgbClr val="D9E1FF"/>
+                </a:solidFill>
+                <a:latin typeface="Arimo" pitchFamily="34" charset="0"/>
+                <a:ea typeface="Arimo" pitchFamily="34" charset="-122"/>
+                <a:cs typeface="Arimo" pitchFamily="34" charset="-120"/>
+              </a:rPr>
+              <a:t>Email service with powerful spam filters and organizational features.</a:t>
+            </a:r>
+            <a:endParaRPr lang="en-US" sz="1750" dirty="0"/>
+          </a:p>
+        </p:txBody>
+      </p:sp>
+    </p:spTree>
+  </p:cSld>
+  <p:clrMapOvr>
+    <a:masterClrMapping/>
+  </p:clrMapOvr>
+</p:sld>
+</file>
+
+<file path=ppt/slides/slide6.xml><?xml version="1.0" encoding="utf-8"?>
+<p:sld xmlns:a="http://schemas.openxmlformats.org/drawingml/2006/main" xmlns:r="http://schemas.openxmlformats.org/officeDocument/2006/relationships" xmlns:p="http://schemas.openxmlformats.org/presentationml/2006/main">
+  <p:cSld name="Slide 4">
+    <p:spTree>
+      <p:nvGrpSpPr>
+        <p:cNvPr id="1" name=""/>
+        <p:cNvGrpSpPr/>
+        <p:nvPr/>
+      </p:nvGrpSpPr>
+      <p:grpSpPr>
+        <a:xfrm>
+          <a:off x="0" y="0"/>
+          <a:ext cx="0" cy="0"/>
+          <a:chOff x="0" y="0"/>
+          <a:chExt cx="0" cy="0"/>
+        </a:xfrm>
+      </p:grpSpPr>
+      <p:pic>
+        <p:nvPicPr>
+          <p:cNvPr id="22" name="Image 1" descr="preencoded.png"/>
+          <p:cNvPicPr>
+            <a:picLocks noChangeAspect="1"/>
+          </p:cNvPicPr>
+          <p:nvPr/>
+        </p:nvPicPr>
+        <p:blipFill>
+          <a:blip r:embed="rId3"/>
+          <a:stretch>
+            <a:fillRect/>
+          </a:stretch>
+        </p:blipFill>
+        <p:spPr>
+          <a:xfrm>
+            <a:off x="12242153" y="7589520"/>
+            <a:ext cx="2296807" cy="548640"/>
+          </a:xfrm>
+          <a:prstGeom prst="rect">
+            <a:avLst/>
+          </a:prstGeom>
+        </p:spPr>
+      </p:pic>
+      <p:sp>
+        <p:nvSpPr>
+          <p:cNvPr id="2" name="Shape 0"/>
+          <p:cNvSpPr/>
+          <p:nvPr/>
+        </p:nvSpPr>
+        <p:spPr>
+          <a:xfrm>
+            <a:off x="0" y="0"/>
+            <a:ext cx="14630400" cy="8229600"/>
+          </a:xfrm>
+          <a:prstGeom prst="rect">
+            <a:avLst/>
+          </a:prstGeom>
+          <a:solidFill>
+            <a:srgbClr val="150D48"/>
+          </a:solidFill>
+          <a:ln/>
+        </p:spPr>
+      </p:sp>
+      <p:sp>
+        <p:nvSpPr>
+          <p:cNvPr id="3" name="Shape 1"/>
+          <p:cNvSpPr/>
+          <p:nvPr/>
+        </p:nvSpPr>
+        <p:spPr>
+          <a:xfrm>
+            <a:off x="0" y="0"/>
+            <a:ext cx="14630400" cy="8229600"/>
+          </a:xfrm>
+          <a:prstGeom prst="rect">
+            <a:avLst/>
+          </a:prstGeom>
+          <a:solidFill>
+            <a:srgbClr val="0C0A33"/>
+          </a:solidFill>
+          <a:ln/>
+        </p:spPr>
+      </p:sp>
+      <p:pic>
+        <p:nvPicPr>
+          <p:cNvPr id="4" name="Image 0" descr="preencoded.png"/>
+          <p:cNvPicPr>
+            <a:picLocks noChangeAspect="1"/>
+          </p:cNvPicPr>
+          <p:nvPr/>
+        </p:nvPicPr>
+        <p:blipFill>
+          <a:blip r:embed="rId4"/>
+          <a:stretch>
+            <a:fillRect/>
+          </a:stretch>
+        </p:blipFill>
+        <p:spPr>
+          <a:xfrm>
+            <a:off x="10972800" y="0"/>
+            <a:ext cx="3657600" cy="8229600"/>
+          </a:xfrm>
+          <a:prstGeom prst="rect">
+            <a:avLst/>
+          </a:prstGeom>
+        </p:spPr>
+      </p:pic>
+      <p:sp>
+        <p:nvSpPr>
+          <p:cNvPr id="5" name="Text 2"/>
+          <p:cNvSpPr/>
+          <p:nvPr/>
+        </p:nvSpPr>
+        <p:spPr>
+          <a:xfrm>
+            <a:off x="833199" y="755928"/>
+            <a:ext cx="9306401" cy="1388745"/>
+          </a:xfrm>
+          <a:prstGeom prst="rect">
+            <a:avLst/>
+          </a:prstGeom>
+          <a:noFill/>
+          <a:ln/>
+        </p:spPr>
+        <p:txBody>
+          <a:bodyPr wrap="square" rtlCol="0" anchor="t"/>
+          <a:lstStyle/>
+          <a:p>
+            <a:pPr marL="0" indent="0">
+              <a:lnSpc>
+                <a:spcPts val="5468"/>
+              </a:lnSpc>
+              <a:buNone/>
+            </a:pPr>
+            <a:r>
+              <a:rPr lang="en-US" sz="4374" b="1" dirty="0">
+                <a:solidFill>
+                  <a:srgbClr val="FFFFFF"/>
+                </a:solidFill>
+                <a:latin typeface="Syne" pitchFamily="34" charset="0"/>
+                <a:ea typeface="Syne" pitchFamily="34" charset="-122"/>
+                <a:cs typeface="Syne" pitchFamily="34" charset="-120"/>
+              </a:rPr>
+              <a:t>Microsoft Tools: Overview and Benefits</a:t>
+            </a:r>
+            <a:endParaRPr lang="en-US" sz="4374" dirty="0"/>
+          </a:p>
+        </p:txBody>
+      </p:sp>
+      <p:sp>
+        <p:nvSpPr>
+          <p:cNvPr id="6" name="Shape 3"/>
+          <p:cNvSpPr/>
+          <p:nvPr/>
+        </p:nvSpPr>
+        <p:spPr>
+          <a:xfrm>
+            <a:off x="1152644" y="2477929"/>
+            <a:ext cx="27742" cy="4995624"/>
+          </a:xfrm>
+          <a:prstGeom prst="rect">
+            <a:avLst/>
+          </a:prstGeom>
+          <a:solidFill>
+            <a:srgbClr val="8061FF"/>
+          </a:solidFill>
+          <a:ln/>
+        </p:spPr>
+      </p:sp>
+      <p:sp>
+        <p:nvSpPr>
+          <p:cNvPr id="7" name="Shape 4"/>
+          <p:cNvSpPr/>
+          <p:nvPr/>
+        </p:nvSpPr>
+        <p:spPr>
+          <a:xfrm>
+            <a:off x="1416427" y="2887563"/>
+            <a:ext cx="777597" cy="27742"/>
+          </a:xfrm>
+          <a:prstGeom prst="rect">
+            <a:avLst/>
+          </a:prstGeom>
+          <a:solidFill>
+            <a:srgbClr val="8061FF"/>
+          </a:solidFill>
+          <a:ln/>
+        </p:spPr>
+      </p:sp>
+      <p:sp>
+        <p:nvSpPr>
+          <p:cNvPr id="8" name="Shape 5"/>
+          <p:cNvSpPr/>
+          <p:nvPr/>
+        </p:nvSpPr>
+        <p:spPr>
+          <a:xfrm>
+            <a:off x="916484" y="2651522"/>
+            <a:ext cx="499943" cy="499943"/>
+          </a:xfrm>
+          <a:prstGeom prst="roundRect">
+            <a:avLst>
+              <a:gd name="adj" fmla="val 13333"/>
+            </a:avLst>
+          </a:prstGeom>
+          <a:solidFill>
+            <a:srgbClr val="171542"/>
+          </a:solidFill>
+          <a:ln/>
+        </p:spPr>
+      </p:sp>
+      <p:sp>
+        <p:nvSpPr>
+          <p:cNvPr id="9" name="Text 6"/>
+          <p:cNvSpPr/>
+          <p:nvPr/>
+        </p:nvSpPr>
+        <p:spPr>
+          <a:xfrm>
+            <a:off x="1101626" y="2693194"/>
+            <a:ext cx="129540" cy="416481"/>
+          </a:xfrm>
+          <a:prstGeom prst="rect">
+            <a:avLst/>
+          </a:prstGeom>
+          <a:noFill/>
+          <a:ln/>
+        </p:spPr>
+        <p:txBody>
+          <a:bodyPr wrap="none" rtlCol="0" anchor="t"/>
+          <a:lstStyle/>
+          <a:p>
+            <a:pPr marL="0" indent="0" algn="ctr">
+              <a:lnSpc>
+                <a:spcPts val="3281"/>
+              </a:lnSpc>
+              <a:buNone/>
+            </a:pPr>
+            <a:r>
+              <a:rPr lang="en-US" sz="2624" b="1" dirty="0">
+                <a:solidFill>
+                  <a:srgbClr val="FFFFFF"/>
+                </a:solidFill>
+                <a:latin typeface="Syne" pitchFamily="34" charset="0"/>
+                <a:ea typeface="Syne" pitchFamily="34" charset="-122"/>
+                <a:cs typeface="Syne" pitchFamily="34" charset="-120"/>
+              </a:rPr>
+              <a:t>1</a:t>
+            </a:r>
+            <a:endParaRPr lang="en-US" sz="2624" dirty="0"/>
+          </a:p>
+        </p:txBody>
+      </p:sp>
+      <p:sp>
+        <p:nvSpPr>
+          <p:cNvPr id="10" name="Text 7"/>
+          <p:cNvSpPr/>
+          <p:nvPr/>
+        </p:nvSpPr>
+        <p:spPr>
+          <a:xfrm>
+            <a:off x="2388513" y="2700099"/>
+            <a:ext cx="2221944" cy="347186"/>
+          </a:xfrm>
+          <a:prstGeom prst="rect">
+            <a:avLst/>
+          </a:prstGeom>
+          <a:noFill/>
+          <a:ln/>
+        </p:spPr>
+        <p:txBody>
+          <a:bodyPr wrap="none" rtlCol="0" anchor="t"/>
+          <a:lstStyle/>
+          <a:p>
+            <a:pPr marL="0" indent="0" algn="l">
+              <a:lnSpc>
+                <a:spcPts val="2734"/>
+              </a:lnSpc>
+              <a:buNone/>
+            </a:pPr>
+            <a:r>
+              <a:rPr lang="en-US" sz="2187" b="1" dirty="0">
+                <a:solidFill>
+                  <a:srgbClr val="FFFFFF"/>
+                </a:solidFill>
+                <a:latin typeface="Syne" pitchFamily="34" charset="0"/>
+                <a:ea typeface="Syne" pitchFamily="34" charset="-122"/>
+                <a:cs typeface="Syne" pitchFamily="34" charset="-120"/>
+              </a:rPr>
+              <a:t>Office Suite</a:t>
+            </a:r>
+            <a:endParaRPr lang="en-US" sz="2187" dirty="0"/>
+          </a:p>
+        </p:txBody>
+      </p:sp>
+      <p:sp>
+        <p:nvSpPr>
+          <p:cNvPr id="11" name="Text 8"/>
+          <p:cNvSpPr/>
+          <p:nvPr/>
+        </p:nvSpPr>
+        <p:spPr>
+          <a:xfrm>
+            <a:off x="2388513" y="3180517"/>
+            <a:ext cx="7751088" cy="710803"/>
+          </a:xfrm>
+          <a:prstGeom prst="rect">
+            <a:avLst/>
+          </a:prstGeom>
+          <a:noFill/>
+          <a:ln/>
+        </p:spPr>
+        <p:txBody>
+          <a:bodyPr wrap="square" rtlCol="0" anchor="t"/>
+          <a:lstStyle/>
+          <a:p>
+            <a:pPr marL="0" indent="0" algn="l">
+              <a:lnSpc>
+                <a:spcPts val="2799"/>
+              </a:lnSpc>
+              <a:buNone/>
+            </a:pPr>
+            <a:r>
+              <a:rPr lang="en-US" sz="1750" dirty="0">
+                <a:solidFill>
+                  <a:srgbClr val="D9E1FF"/>
+                </a:solidFill>
+                <a:latin typeface="Arimo" pitchFamily="34" charset="0"/>
+                <a:ea typeface="Arimo" pitchFamily="34" charset="-122"/>
+                <a:cs typeface="Arimo" pitchFamily="34" charset="-120"/>
+              </a:rPr>
+              <a:t>Comprehensive productivity software, including Word, Excel and PowerPoint that make creating and sharing documents easier.</a:t>
+            </a:r>
+            <a:endParaRPr lang="en-US" sz="1750" dirty="0"/>
+          </a:p>
+        </p:txBody>
+      </p:sp>
+      <p:sp>
+        <p:nvSpPr>
+          <p:cNvPr id="12" name="Shape 9"/>
+          <p:cNvSpPr/>
+          <p:nvPr/>
+        </p:nvSpPr>
+        <p:spPr>
+          <a:xfrm>
+            <a:off x="1416427" y="4745295"/>
+            <a:ext cx="777597" cy="27742"/>
+          </a:xfrm>
+          <a:prstGeom prst="rect">
+            <a:avLst/>
+          </a:prstGeom>
+          <a:solidFill>
+            <a:srgbClr val="8061FF"/>
+          </a:solidFill>
+          <a:ln/>
+        </p:spPr>
+      </p:sp>
+      <p:sp>
+        <p:nvSpPr>
+          <p:cNvPr id="13" name="Shape 10"/>
+          <p:cNvSpPr/>
+          <p:nvPr/>
+        </p:nvSpPr>
+        <p:spPr>
+          <a:xfrm>
+            <a:off x="916484" y="4509254"/>
+            <a:ext cx="499943" cy="499943"/>
+          </a:xfrm>
+          <a:prstGeom prst="roundRect">
+            <a:avLst>
+              <a:gd name="adj" fmla="val 13333"/>
+            </a:avLst>
+          </a:prstGeom>
+          <a:solidFill>
+            <a:srgbClr val="171542"/>
+          </a:solidFill>
+          <a:ln/>
+        </p:spPr>
+      </p:sp>
+      <p:sp>
+        <p:nvSpPr>
+          <p:cNvPr id="14" name="Text 11"/>
+          <p:cNvSpPr/>
+          <p:nvPr/>
+        </p:nvSpPr>
+        <p:spPr>
+          <a:xfrm>
+            <a:off x="1063526" y="4550926"/>
+            <a:ext cx="205740" cy="416481"/>
+          </a:xfrm>
+          <a:prstGeom prst="rect">
+            <a:avLst/>
+          </a:prstGeom>
+          <a:noFill/>
+          <a:ln/>
+        </p:spPr>
+        <p:txBody>
+          <a:bodyPr wrap="none" rtlCol="0" anchor="t"/>
+          <a:lstStyle/>
+          <a:p>
+            <a:pPr marL="0" indent="0" algn="ctr">
+              <a:lnSpc>
+                <a:spcPts val="3281"/>
+              </a:lnSpc>
+              <a:buNone/>
+            </a:pPr>
+            <a:r>
+              <a:rPr lang="en-US" sz="2624" b="1" dirty="0">
+                <a:solidFill>
+                  <a:srgbClr val="FFFFFF"/>
+                </a:solidFill>
+                <a:latin typeface="Syne" pitchFamily="34" charset="0"/>
+                <a:ea typeface="Syne" pitchFamily="34" charset="-122"/>
+                <a:cs typeface="Syne" pitchFamily="34" charset="-120"/>
+              </a:rPr>
+              <a:t>2</a:t>
+            </a:r>
+            <a:endParaRPr lang="en-US" sz="2624" dirty="0"/>
+          </a:p>
+        </p:txBody>
+      </p:sp>
+      <p:sp>
+        <p:nvSpPr>
+          <p:cNvPr id="15" name="Text 12"/>
+          <p:cNvSpPr/>
+          <p:nvPr/>
+        </p:nvSpPr>
+        <p:spPr>
+          <a:xfrm>
+            <a:off x="2388513" y="4557832"/>
+            <a:ext cx="2221944" cy="347186"/>
+          </a:xfrm>
+          <a:prstGeom prst="rect">
+            <a:avLst/>
+          </a:prstGeom>
+          <a:noFill/>
+          <a:ln/>
+        </p:spPr>
+        <p:txBody>
+          <a:bodyPr wrap="none" rtlCol="0" anchor="t"/>
+          <a:lstStyle/>
+          <a:p>
+            <a:pPr marL="0" indent="0" algn="l">
+              <a:lnSpc>
+                <a:spcPts val="2734"/>
+              </a:lnSpc>
+              <a:buNone/>
+            </a:pPr>
+            <a:r>
+              <a:rPr lang="en-US" sz="2187" b="1" dirty="0">
+                <a:solidFill>
+                  <a:srgbClr val="FFFFFF"/>
+                </a:solidFill>
+                <a:latin typeface="Syne" pitchFamily="34" charset="0"/>
+                <a:ea typeface="Syne" pitchFamily="34" charset="-122"/>
+                <a:cs typeface="Syne" pitchFamily="34" charset="-120"/>
+              </a:rPr>
+              <a:t>Windows OS</a:t>
+            </a:r>
+            <a:endParaRPr lang="en-US" sz="2187" dirty="0"/>
+          </a:p>
+        </p:txBody>
+      </p:sp>
+      <p:sp>
+        <p:nvSpPr>
+          <p:cNvPr id="16" name="Text 13"/>
+          <p:cNvSpPr/>
+          <p:nvPr/>
+        </p:nvSpPr>
+        <p:spPr>
+          <a:xfrm>
+            <a:off x="2388513" y="5038249"/>
+            <a:ext cx="7751088" cy="355402"/>
+          </a:xfrm>
+          <a:prstGeom prst="rect">
+            <a:avLst/>
+          </a:prstGeom>
+          <a:noFill/>
+          <a:ln/>
+        </p:spPr>
+        <p:txBody>
+          <a:bodyPr wrap="none" rtlCol="0" anchor="t"/>
+          <a:lstStyle/>
+          <a:p>
+            <a:pPr marL="0" indent="0" algn="l">
+              <a:lnSpc>
+                <a:spcPts val="2799"/>
+              </a:lnSpc>
+              <a:buNone/>
+            </a:pPr>
+            <a:r>
+              <a:rPr lang="en-US" sz="1750" dirty="0">
+                <a:solidFill>
+                  <a:srgbClr val="D9E1FF"/>
+                </a:solidFill>
+                <a:latin typeface="Arimo" pitchFamily="34" charset="0"/>
+                <a:ea typeface="Arimo" pitchFamily="34" charset="-122"/>
+                <a:cs typeface="Arimo" pitchFamily="34" charset="-120"/>
+              </a:rPr>
+              <a:t>Operating system that powers majority of desktops and laptops worldwide.</a:t>
+            </a:r>
+            <a:endParaRPr lang="en-US" sz="1750" dirty="0"/>
+          </a:p>
+        </p:txBody>
+      </p:sp>
+      <p:sp>
+        <p:nvSpPr>
+          <p:cNvPr id="17" name="Shape 14"/>
+          <p:cNvSpPr/>
+          <p:nvPr/>
+        </p:nvSpPr>
+        <p:spPr>
+          <a:xfrm>
+            <a:off x="1416427" y="6247626"/>
+            <a:ext cx="777597" cy="27742"/>
+          </a:xfrm>
+          <a:prstGeom prst="rect">
+            <a:avLst/>
+          </a:prstGeom>
+          <a:solidFill>
+            <a:srgbClr val="8061FF"/>
+          </a:solidFill>
+          <a:ln/>
+        </p:spPr>
+      </p:sp>
+      <p:sp>
+        <p:nvSpPr>
+          <p:cNvPr id="18" name="Shape 15"/>
+          <p:cNvSpPr/>
+          <p:nvPr/>
+        </p:nvSpPr>
+        <p:spPr>
+          <a:xfrm>
+            <a:off x="916484" y="6011585"/>
+            <a:ext cx="499943" cy="499943"/>
+          </a:xfrm>
+          <a:prstGeom prst="roundRect">
+            <a:avLst>
+              <a:gd name="adj" fmla="val 13333"/>
+            </a:avLst>
+          </a:prstGeom>
+          <a:solidFill>
+            <a:srgbClr val="171542"/>
+          </a:solidFill>
+          <a:ln/>
+        </p:spPr>
+      </p:sp>
+      <p:sp>
+        <p:nvSpPr>
+          <p:cNvPr id="19" name="Text 16"/>
+          <p:cNvSpPr/>
+          <p:nvPr/>
+        </p:nvSpPr>
+        <p:spPr>
+          <a:xfrm>
+            <a:off x="1059716" y="6053257"/>
+            <a:ext cx="213360" cy="416481"/>
+          </a:xfrm>
+          <a:prstGeom prst="rect">
+            <a:avLst/>
+          </a:prstGeom>
+          <a:noFill/>
+          <a:ln/>
+        </p:spPr>
+        <p:txBody>
+          <a:bodyPr wrap="none" rtlCol="0" anchor="t"/>
+          <a:lstStyle/>
+          <a:p>
+            <a:pPr marL="0" indent="0" algn="ctr">
+              <a:lnSpc>
+                <a:spcPts val="3281"/>
+              </a:lnSpc>
+              <a:buNone/>
+            </a:pPr>
+            <a:r>
+              <a:rPr lang="en-US" sz="2624" b="1" dirty="0">
+                <a:solidFill>
+                  <a:srgbClr val="FFFFFF"/>
+                </a:solidFill>
+                <a:latin typeface="Syne" pitchFamily="34" charset="0"/>
+                <a:ea typeface="Syne" pitchFamily="34" charset="-122"/>
+                <a:cs typeface="Syne" pitchFamily="34" charset="-120"/>
+              </a:rPr>
+              <a:t>3</a:t>
+            </a:r>
+            <a:endParaRPr lang="en-US" sz="2624" dirty="0"/>
+          </a:p>
+        </p:txBody>
+      </p:sp>
+      <p:sp>
+        <p:nvSpPr>
+          <p:cNvPr id="20" name="Text 17"/>
+          <p:cNvSpPr/>
+          <p:nvPr/>
+        </p:nvSpPr>
+        <p:spPr>
+          <a:xfrm>
+            <a:off x="2388513" y="6060162"/>
+            <a:ext cx="2221944" cy="347186"/>
+          </a:xfrm>
+          <a:prstGeom prst="rect">
+            <a:avLst/>
+          </a:prstGeom>
+          <a:noFill/>
+          <a:ln/>
+        </p:spPr>
+        <p:txBody>
+          <a:bodyPr wrap="none" rtlCol="0" anchor="t"/>
+          <a:lstStyle/>
+          <a:p>
+            <a:pPr marL="0" indent="0" algn="l">
+              <a:lnSpc>
+                <a:spcPts val="2734"/>
+              </a:lnSpc>
+              <a:buNone/>
+            </a:pPr>
+            <a:r>
+              <a:rPr lang="en-US" sz="2187" b="1" dirty="0">
+                <a:solidFill>
+                  <a:srgbClr val="FFFFFF"/>
+                </a:solidFill>
+                <a:latin typeface="Syne" pitchFamily="34" charset="0"/>
+                <a:ea typeface="Syne" pitchFamily="34" charset="-122"/>
+                <a:cs typeface="Syne" pitchFamily="34" charset="-120"/>
+              </a:rPr>
+              <a:t>Azure</a:t>
+            </a:r>
+            <a:endParaRPr lang="en-US" sz="2187" dirty="0"/>
+          </a:p>
+        </p:txBody>
+      </p:sp>
+      <p:sp>
+        <p:nvSpPr>
+          <p:cNvPr id="21" name="Text 18"/>
+          <p:cNvSpPr/>
+          <p:nvPr/>
+        </p:nvSpPr>
+        <p:spPr>
+          <a:xfrm>
+            <a:off x="2388513" y="6540579"/>
+            <a:ext cx="7751088" cy="710803"/>
+          </a:xfrm>
+          <a:prstGeom prst="rect">
+            <a:avLst/>
+          </a:prstGeom>
+          <a:noFill/>
+          <a:ln/>
+        </p:spPr>
+        <p:txBody>
+          <a:bodyPr wrap="square" rtlCol="0" anchor="t"/>
+          <a:lstStyle/>
+          <a:p>
+            <a:pPr marL="0" indent="0" algn="l">
+              <a:lnSpc>
+                <a:spcPts val="2799"/>
+              </a:lnSpc>
+              <a:buNone/>
+            </a:pPr>
+            <a:r>
+              <a:rPr lang="en-US" sz="1750" dirty="0">
+                <a:solidFill>
+                  <a:srgbClr val="D9E1FF"/>
+                </a:solidFill>
+                <a:latin typeface="Arimo" pitchFamily="34" charset="0"/>
+                <a:ea typeface="Arimo" pitchFamily="34" charset="-122"/>
+                <a:cs typeface="Arimo" pitchFamily="34" charset="-120"/>
+              </a:rPr>
+              <a:t>Cloud computing platform that includes services such as computing, storage, and analytics, offering solutions at scale for businesses.</a:t>
+            </a:r>
+            <a:endParaRPr lang="en-US" sz="1750" dirty="0"/>
+          </a:p>
+        </p:txBody>
+      </p:sp>
+    </p:spTree>
+  </p:cSld>
+  <p:clrMapOvr>
+    <a:masterClrMapping/>
+  </p:clrMapOvr>
+</p:sld>
+</file>
+
+<file path=ppt/slides/slide7.xml><?xml version="1.0" encoding="utf-8"?>
+<p:sld xmlns:a="http://schemas.openxmlformats.org/drawingml/2006/main" xmlns:r="http://schemas.openxmlformats.org/officeDocument/2006/relationships" xmlns:p="http://schemas.openxmlformats.org/presentationml/2006/main">
+  <p:cSld name="Slide 5">
+    <p:spTree>
+      <p:nvGrpSpPr>
+        <p:cNvPr id="1" name=""/>
+        <p:cNvGrpSpPr/>
+        <p:nvPr/>
+      </p:nvGrpSpPr>
+      <p:grpSpPr>
+        <a:xfrm>
+          <a:off x="0" y="0"/>
+          <a:ext cx="0" cy="0"/>
+          <a:chOff x="0" y="0"/>
+          <a:chExt cx="0" cy="0"/>
+        </a:xfrm>
+      </p:grpSpPr>
+      <p:pic>
+        <p:nvPicPr>
+          <p:cNvPr id="12" name="Image 1" descr="preencoded.png"/>
+          <p:cNvPicPr>
+            <a:picLocks noChangeAspect="1"/>
+          </p:cNvPicPr>
+          <p:nvPr/>
+        </p:nvPicPr>
+        <p:blipFill>
+          <a:blip r:embed="rId3"/>
+          <a:stretch>
+            <a:fillRect/>
+          </a:stretch>
+        </p:blipFill>
+        <p:spPr>
+          <a:xfrm>
+            <a:off x="12242153" y="7589520"/>
+            <a:ext cx="2296807" cy="548640"/>
+          </a:xfrm>
+          <a:prstGeom prst="rect">
+            <a:avLst/>
+          </a:prstGeom>
+        </p:spPr>
+      </p:pic>
+      <p:sp>
+        <p:nvSpPr>
+          <p:cNvPr id="2" name="Shape 0"/>
+          <p:cNvSpPr/>
+          <p:nvPr/>
+        </p:nvSpPr>
+        <p:spPr>
+          <a:xfrm>
+            <a:off x="0" y="0"/>
+            <a:ext cx="14630400" cy="8229600"/>
+          </a:xfrm>
+          <a:prstGeom prst="rect">
+            <a:avLst/>
+          </a:prstGeom>
+          <a:solidFill>
+            <a:srgbClr val="150D48"/>
+          </a:solidFill>
+          <a:ln/>
+        </p:spPr>
+      </p:sp>
+      <p:sp>
+        <p:nvSpPr>
+          <p:cNvPr id="3" name="Shape 1"/>
+          <p:cNvSpPr/>
+          <p:nvPr/>
+        </p:nvSpPr>
+        <p:spPr>
+          <a:xfrm>
+            <a:off x="0" y="0"/>
+            <a:ext cx="14630400" cy="8229600"/>
+          </a:xfrm>
+          <a:prstGeom prst="rect">
+            <a:avLst/>
+          </a:prstGeom>
+          <a:solidFill>
+            <a:srgbClr val="0C0A33"/>
+          </a:solidFill>
+          <a:ln/>
+        </p:spPr>
+      </p:sp>
+      <p:pic>
+        <p:nvPicPr>
+          <p:cNvPr id="4" name="Image 0" descr="preencoded.png"/>
+          <p:cNvPicPr>
+            <a:picLocks noChangeAspect="1"/>
+          </p:cNvPicPr>
+          <p:nvPr/>
+        </p:nvPicPr>
+        <p:blipFill>
+          <a:blip r:embed="rId4"/>
+          <a:stretch>
+            <a:fillRect/>
+          </a:stretch>
+        </p:blipFill>
+        <p:spPr>
+          <a:xfrm>
+            <a:off x="0" y="0"/>
+            <a:ext cx="3657600" cy="8229600"/>
+          </a:xfrm>
+          <a:prstGeom prst="rect">
+            <a:avLst/>
+          </a:prstGeom>
+        </p:spPr>
+      </p:pic>
+      <p:sp>
+        <p:nvSpPr>
+          <p:cNvPr id="5" name="Text 2"/>
+          <p:cNvSpPr/>
+          <p:nvPr/>
+        </p:nvSpPr>
+        <p:spPr>
+          <a:xfrm>
+            <a:off x="4490799" y="1902857"/>
+            <a:ext cx="9306401" cy="1388745"/>
+          </a:xfrm>
+          <a:prstGeom prst="rect">
+            <a:avLst/>
+          </a:prstGeom>
+          <a:noFill/>
+          <a:ln/>
+        </p:spPr>
+        <p:txBody>
+          <a:bodyPr wrap="square" rtlCol="0" anchor="t"/>
+          <a:lstStyle/>
+          <a:p>
+            <a:pPr marL="0" indent="0">
+              <a:lnSpc>
+                <a:spcPts val="5468"/>
+              </a:lnSpc>
+              <a:buNone/>
+            </a:pPr>
+            <a:r>
+              <a:rPr lang="en-US" sz="4374" b="1" dirty="0">
+                <a:solidFill>
+                  <a:srgbClr val="FFFFFF"/>
+                </a:solidFill>
+                <a:latin typeface="Syne" pitchFamily="34" charset="0"/>
+                <a:ea typeface="Syne" pitchFamily="34" charset="-122"/>
+                <a:cs typeface="Syne" pitchFamily="34" charset="-120"/>
+              </a:rPr>
+              <a:t>Git and GitHub: Explanation and Use Cases</a:t>
+            </a:r>
+            <a:endParaRPr lang="en-US" sz="4374" dirty="0"/>
+          </a:p>
+        </p:txBody>
+      </p:sp>
+      <p:sp>
+        <p:nvSpPr>
+          <p:cNvPr id="6" name="Shape 3"/>
+          <p:cNvSpPr/>
+          <p:nvPr/>
+        </p:nvSpPr>
+        <p:spPr>
+          <a:xfrm>
+            <a:off x="4490799" y="3624858"/>
+            <a:ext cx="4542115" cy="2701766"/>
+          </a:xfrm>
+          <a:prstGeom prst="roundRect">
+            <a:avLst>
+              <a:gd name="adj" fmla="val 2467"/>
+            </a:avLst>
+          </a:prstGeom>
+          <a:solidFill>
+            <a:srgbClr val="171542"/>
+          </a:solidFill>
+          <a:ln/>
+        </p:spPr>
+      </p:sp>
+      <p:sp>
+        <p:nvSpPr>
+          <p:cNvPr id="7" name="Text 4"/>
+          <p:cNvSpPr/>
+          <p:nvPr/>
+        </p:nvSpPr>
+        <p:spPr>
+          <a:xfrm>
+            <a:off x="4712970" y="3847028"/>
+            <a:ext cx="2221944" cy="347186"/>
+          </a:xfrm>
+          <a:prstGeom prst="rect">
+            <a:avLst/>
+          </a:prstGeom>
+          <a:noFill/>
+          <a:ln/>
+        </p:spPr>
+        <p:txBody>
+          <a:bodyPr wrap="none" rtlCol="0" anchor="t"/>
+          <a:lstStyle/>
+          <a:p>
+            <a:pPr marL="0" indent="0">
+              <a:lnSpc>
+                <a:spcPts val="2734"/>
+              </a:lnSpc>
+              <a:buNone/>
+            </a:pPr>
+            <a:r>
+              <a:rPr lang="en-US" sz="2187" b="1" dirty="0">
+                <a:solidFill>
+                  <a:srgbClr val="FFFFFF"/>
+                </a:solidFill>
+                <a:latin typeface="Syne" pitchFamily="34" charset="0"/>
+                <a:ea typeface="Syne" pitchFamily="34" charset="-122"/>
+                <a:cs typeface="Syne" pitchFamily="34" charset="-120"/>
+              </a:rPr>
+              <a:t>Git</a:t>
+            </a:r>
+            <a:endParaRPr lang="en-US" sz="2187" dirty="0"/>
+          </a:p>
+        </p:txBody>
+      </p:sp>
+      <p:sp>
+        <p:nvSpPr>
+          <p:cNvPr id="8" name="Text 5"/>
+          <p:cNvSpPr/>
+          <p:nvPr/>
+        </p:nvSpPr>
+        <p:spPr>
+          <a:xfrm>
+            <a:off x="4712970" y="4327446"/>
+            <a:ext cx="4097774" cy="1777008"/>
+          </a:xfrm>
+          <a:prstGeom prst="rect">
+            <a:avLst/>
+          </a:prstGeom>
+          <a:noFill/>
+          <a:ln/>
+        </p:spPr>
+        <p:txBody>
+          <a:bodyPr wrap="square" rtlCol="0" anchor="t"/>
+          <a:lstStyle/>
+          <a:p>
+            <a:pPr marL="0" indent="0">
+              <a:lnSpc>
+                <a:spcPts val="2799"/>
+              </a:lnSpc>
+              <a:buNone/>
+            </a:pPr>
+            <a:r>
+              <a:rPr lang="en-US" sz="1750" dirty="0">
+                <a:solidFill>
+                  <a:srgbClr val="D9E1FF"/>
+                </a:solidFill>
+                <a:latin typeface="Arimo" pitchFamily="34" charset="0"/>
+                <a:ea typeface="Arimo" pitchFamily="34" charset="-122"/>
+                <a:cs typeface="Arimo" pitchFamily="34" charset="-120"/>
+              </a:rPr>
+              <a:t>Git is a version control system that tracks changes to code and helps manage collaborations between developers. It manages the source code history and avoids any conflicts.</a:t>
+            </a:r>
+            <a:endParaRPr lang="en-US" sz="1750" dirty="0"/>
+          </a:p>
+        </p:txBody>
+      </p:sp>
+      <p:sp>
+        <p:nvSpPr>
+          <p:cNvPr id="9" name="Shape 6"/>
+          <p:cNvSpPr/>
+          <p:nvPr/>
+        </p:nvSpPr>
+        <p:spPr>
+          <a:xfrm>
+            <a:off x="9255085" y="3624858"/>
+            <a:ext cx="4542115" cy="2701766"/>
+          </a:xfrm>
+          <a:prstGeom prst="roundRect">
+            <a:avLst>
+              <a:gd name="adj" fmla="val 2467"/>
+            </a:avLst>
+          </a:prstGeom>
+          <a:solidFill>
+            <a:srgbClr val="171542"/>
+          </a:solidFill>
+          <a:ln/>
+        </p:spPr>
+      </p:sp>
+      <p:sp>
+        <p:nvSpPr>
+          <p:cNvPr id="10" name="Text 7"/>
+          <p:cNvSpPr/>
+          <p:nvPr/>
+        </p:nvSpPr>
+        <p:spPr>
+          <a:xfrm>
+            <a:off x="9477256" y="3847028"/>
+            <a:ext cx="2221944" cy="347186"/>
+          </a:xfrm>
+          <a:prstGeom prst="rect">
+            <a:avLst/>
+          </a:prstGeom>
+          <a:noFill/>
+          <a:ln/>
+        </p:spPr>
+        <p:txBody>
+          <a:bodyPr wrap="none" rtlCol="0" anchor="t"/>
+          <a:lstStyle/>
+          <a:p>
+            <a:pPr marL="0" indent="0">
+              <a:lnSpc>
+                <a:spcPts val="2734"/>
+              </a:lnSpc>
+              <a:buNone/>
+            </a:pPr>
+            <a:r>
+              <a:rPr lang="en-US" sz="2187" b="1" dirty="0">
+                <a:solidFill>
+                  <a:srgbClr val="FFFFFF"/>
+                </a:solidFill>
+                <a:latin typeface="Syne" pitchFamily="34" charset="0"/>
+                <a:ea typeface="Syne" pitchFamily="34" charset="-122"/>
+                <a:cs typeface="Syne" pitchFamily="34" charset="-120"/>
+              </a:rPr>
+              <a:t>GitHub</a:t>
+            </a:r>
+            <a:endParaRPr lang="en-US" sz="2187" dirty="0"/>
+          </a:p>
+        </p:txBody>
+      </p:sp>
+      <p:sp>
+        <p:nvSpPr>
+          <p:cNvPr id="11" name="Text 8"/>
+          <p:cNvSpPr/>
+          <p:nvPr/>
+        </p:nvSpPr>
+        <p:spPr>
+          <a:xfrm>
+            <a:off x="9477256" y="4327446"/>
+            <a:ext cx="4097774" cy="1777008"/>
+          </a:xfrm>
+          <a:prstGeom prst="rect">
+            <a:avLst/>
+          </a:prstGeom>
+          <a:noFill/>
+          <a:ln/>
+        </p:spPr>
+        <p:txBody>
+          <a:bodyPr wrap="square" rtlCol="0" anchor="t"/>
+          <a:lstStyle/>
+          <a:p>
+            <a:pPr marL="0" indent="0">
+              <a:lnSpc>
+                <a:spcPts val="2799"/>
+              </a:lnSpc>
+              <a:buNone/>
+            </a:pPr>
+            <a:r>
+              <a:rPr lang="en-US" sz="1750" dirty="0">
+                <a:solidFill>
+                  <a:srgbClr val="D9E1FF"/>
+                </a:solidFill>
+                <a:latin typeface="Arimo" pitchFamily="34" charset="0"/>
+                <a:ea typeface="Arimo" pitchFamily="34" charset="-122"/>
+                <a:cs typeface="Arimo" pitchFamily="34" charset="-120"/>
+              </a:rPr>
+              <a:t>Github is a web-based platform used for collaborative software development. It provides hosting for Git repositories, as well as tools for managing projects and code reviews.</a:t>
+            </a:r>
+            <a:endParaRPr lang="en-US" sz="1750" dirty="0"/>
+          </a:p>
+        </p:txBody>
+      </p:sp>
+    </p:spTree>
+  </p:cSld>
+  <p:clrMapOvr>
+    <a:masterClrMapping/>
+  </p:clrMapOvr>
+</p:sld>
+</file>
+
+<file path=ppt/slides/slide8.xml><?xml version="1.0" encoding="utf-8"?>
+<p:sld xmlns:a="http://schemas.openxmlformats.org/drawingml/2006/main" xmlns:r="http://schemas.openxmlformats.org/officeDocument/2006/relationships" xmlns:p="http://schemas.openxmlformats.org/presentationml/2006/main">
+  <p:cSld name="Slide 6">
+    <p:spTree>
+      <p:nvGrpSpPr>
+        <p:cNvPr id="1" name=""/>
+        <p:cNvGrpSpPr/>
+        <p:nvPr/>
+      </p:nvGrpSpPr>
+      <p:grpSpPr>
+        <a:xfrm>
+          <a:off x="0" y="0"/>
+          <a:ext cx="0" cy="0"/>
+          <a:chOff x="0" y="0"/>
+          <a:chExt cx="0" cy="0"/>
+        </a:xfrm>
+      </p:grpSpPr>
+      <p:pic>
+        <p:nvPicPr>
+          <p:cNvPr id="7" name="Image 1" descr="preencoded.png"/>
+          <p:cNvPicPr>
+            <a:picLocks noChangeAspect="1"/>
+          </p:cNvPicPr>
+          <p:nvPr/>
+        </p:nvPicPr>
+        <p:blipFill>
+          <a:blip r:embed="rId3"/>
+          <a:stretch>
+            <a:fillRect/>
+          </a:stretch>
+        </p:blipFill>
+        <p:spPr>
+          <a:xfrm>
+            <a:off x="12242153" y="7589520"/>
+            <a:ext cx="2296807" cy="548640"/>
+          </a:xfrm>
+          <a:prstGeom prst="rect">
+            <a:avLst/>
+          </a:prstGeom>
+        </p:spPr>
+      </p:pic>
+      <p:sp>
+        <p:nvSpPr>
+          <p:cNvPr id="2" name="Shape 0"/>
+          <p:cNvSpPr/>
+          <p:nvPr/>
+        </p:nvSpPr>
+        <p:spPr>
+          <a:xfrm>
+            <a:off x="0" y="0"/>
+            <a:ext cx="14630400" cy="8229600"/>
+          </a:xfrm>
+          <a:prstGeom prst="rect">
+            <a:avLst/>
+          </a:prstGeom>
+          <a:solidFill>
+            <a:srgbClr val="150D48"/>
+          </a:solidFill>
+          <a:ln/>
+        </p:spPr>
+      </p:sp>
+      <p:sp>
+        <p:nvSpPr>
+          <p:cNvPr id="3" name="Shape 1"/>
+          <p:cNvSpPr/>
+          <p:nvPr/>
+        </p:nvSpPr>
+        <p:spPr>
+          <a:xfrm>
+            <a:off x="0" y="0"/>
+            <a:ext cx="14630400" cy="8229600"/>
+          </a:xfrm>
+          <a:prstGeom prst="rect">
+            <a:avLst/>
+          </a:prstGeom>
+          <a:solidFill>
+            <a:srgbClr val="0C0A33"/>
+          </a:solidFill>
+          <a:ln/>
+        </p:spPr>
+      </p:sp>
+      <p:pic>
+        <p:nvPicPr>
+          <p:cNvPr id="4" name="Image 0" descr="preencoded.png"/>
+          <p:cNvPicPr>
+            <a:picLocks noChangeAspect="1"/>
+          </p:cNvPicPr>
+          <p:nvPr/>
+        </p:nvPicPr>
+        <p:blipFill>
+          <a:blip r:embed="rId4"/>
+          <a:stretch>
+            <a:fillRect/>
+          </a:stretch>
+        </p:blipFill>
+        <p:spPr>
+          <a:xfrm>
+            <a:off x="0" y="0"/>
+            <a:ext cx="14630400" cy="2777490"/>
+          </a:xfrm>
+          <a:prstGeom prst="rect">
+            <a:avLst/>
+          </a:prstGeom>
+        </p:spPr>
+      </p:pic>
+      <p:sp>
+        <p:nvSpPr>
+          <p:cNvPr id="5" name="Text 2"/>
+          <p:cNvSpPr/>
+          <p:nvPr/>
+        </p:nvSpPr>
+        <p:spPr>
+          <a:xfrm>
+            <a:off x="2348389" y="3931682"/>
+            <a:ext cx="9933503" cy="1388745"/>
+          </a:xfrm>
+          <a:prstGeom prst="rect">
+            <a:avLst/>
+          </a:prstGeom>
+          <a:noFill/>
+          <a:ln/>
+        </p:spPr>
+        <p:txBody>
+          <a:bodyPr wrap="square" rtlCol="0" anchor="t"/>
+          <a:lstStyle/>
+          <a:p>
+            <a:pPr marL="0" indent="0">
+              <a:lnSpc>
+                <a:spcPts val="5468"/>
+              </a:lnSpc>
+              <a:buNone/>
+            </a:pPr>
+            <a:r>
+              <a:rPr lang="en-US" sz="4374" b="1" dirty="0">
+                <a:solidFill>
+                  <a:srgbClr val="FFFFFF"/>
+                </a:solidFill>
+                <a:latin typeface="Syne" pitchFamily="34" charset="0"/>
+                <a:ea typeface="Syne" pitchFamily="34" charset="-122"/>
+                <a:cs typeface="Syne" pitchFamily="34" charset="-120"/>
+              </a:rPr>
+              <a:t>Conclusion and Future Developments</a:t>
+            </a:r>
+            <a:endParaRPr lang="en-US" sz="4374" dirty="0"/>
+          </a:p>
+        </p:txBody>
+      </p:sp>
+      <p:sp>
+        <p:nvSpPr>
+          <p:cNvPr id="6" name="Text 3"/>
+          <p:cNvSpPr/>
+          <p:nvPr/>
+        </p:nvSpPr>
+        <p:spPr>
+          <a:xfrm>
+            <a:off x="2348389" y="5653683"/>
+            <a:ext cx="9933503" cy="1421606"/>
+          </a:xfrm>
+          <a:prstGeom prst="rect">
+            <a:avLst/>
+          </a:prstGeom>
+          <a:noFill/>
+          <a:ln/>
+        </p:spPr>
+        <p:txBody>
+          <a:bodyPr wrap="square" rtlCol="0" anchor="t"/>
+          <a:lstStyle/>
+          <a:p>
+            <a:pPr marL="0" indent="0">
+              <a:lnSpc>
+                <a:spcPts val="2799"/>
+              </a:lnSpc>
+              <a:buNone/>
+            </a:pPr>
+            <a:r>
+              <a:rPr lang="en-US" sz="1750" dirty="0">
+                <a:solidFill>
+                  <a:srgbClr val="D9E1FF"/>
+                </a:solidFill>
+                <a:latin typeface="Arimo" pitchFamily="34" charset="0"/>
+                <a:ea typeface="Arimo" pitchFamily="34" charset="-122"/>
+                <a:cs typeface="Arimo" pitchFamily="34" charset="-120"/>
+              </a:rPr>
+              <a:t>In conclusion, TIC and related technologies such as Google services, Microsoft tools, Git, and GitHub play an essential role in today's fast-paced world. They have revolutionized the way we live, work and communicate, and have made our lives easier and more efficient. Looking into the future, developments can be expected in the fields of Artificial intelligence, Robotics, and Blockchain.</a:t>
+            </a:r>
+            <a:endParaRPr lang="en-US" sz="1750" dirty="0"/>
+          </a:p>
+        </p:txBody>
+      </p:sp>
+    </p:spTree>
+  </p:cSld>
+  <p:clrMapOvr>
+    <a:masterClrMapping/>
+  </p:clrMapOvr>
+</p:sld>
 </file>
 
 <file path=ppt/theme/theme1.xml><?xml version="1.0" encoding="utf-8"?>
